--- a/Poison Remnant Presentation.pptx
+++ b/Poison Remnant Presentation.pptx
@@ -7,6 +7,11 @@
   <p:sldIdLst>
     <p:sldId id="256" r:id="rId2"/>
     <p:sldId id="257" r:id="rId3"/>
+    <p:sldId id="258" r:id="rId4"/>
+    <p:sldId id="260" r:id="rId5"/>
+    <p:sldId id="259" r:id="rId6"/>
+    <p:sldId id="261" r:id="rId7"/>
+    <p:sldId id="262" r:id="rId8"/>
   </p:sldIdLst>
   <p:sldSz cx="12192000" cy="6858000"/>
   <p:notesSz cx="6858000" cy="9144000"/>
@@ -3613,7 +3618,16 @@
                 </a:solidFill>
                 <a:latin typeface="Copperplate" panose="02000504000000020004" pitchFamily="2" charset="77"/>
               </a:rPr>
-              <a:t>, Developer, Database Administrator</a:t>
+              <a:t>, </a:t>
+            </a:r>
+            <a:r>
+              <a:rPr lang="en-US" sz="2000" i="1" dirty="0">
+                <a:solidFill>
+                  <a:schemeClr val="bg1"/>
+                </a:solidFill>
+                <a:latin typeface="Copperplate" panose="02000504000000020004" pitchFamily="2" charset="77"/>
+              </a:rPr>
+              <a:t>Database Administrator</a:t>
             </a:r>
           </a:p>
           <a:p>
@@ -3636,7 +3650,18 @@
                 </a:solidFill>
                 <a:latin typeface="Copperplate" panose="02000504000000020004" pitchFamily="2" charset="77"/>
               </a:rPr>
-              <a:t>Chad Rousseau, Developer, Scrum Master</a:t>
+              <a:t>Chad Rousseau, </a:t>
+            </a:r>
+            <a:r>
+              <a:rPr lang="en-US" sz="2000" i="1" dirty="0">
+                <a:solidFill>
+                  <a:schemeClr val="bg1">
+                    <a:lumMod val="95000"/>
+                  </a:schemeClr>
+                </a:solidFill>
+                <a:latin typeface="Copperplate" panose="02000504000000020004" pitchFamily="2" charset="77"/>
+              </a:rPr>
+              <a:t>Scrum Master</a:t>
             </a:r>
           </a:p>
           <a:p>
@@ -3659,7 +3684,40 @@
                 </a:solidFill>
                 <a:latin typeface="Copperplate" panose="02000504000000020004" pitchFamily="2" charset="77"/>
               </a:rPr>
-              <a:t>Ken Pederson, Developer, Repo Owner</a:t>
+              <a:t>Ken Pederson</a:t>
+            </a:r>
+            <a:r>
+              <a:rPr lang="en-US" sz="2000">
+                <a:solidFill>
+                  <a:schemeClr val="bg1">
+                    <a:lumMod val="95000"/>
+                  </a:schemeClr>
+                </a:solidFill>
+                <a:latin typeface="Copperplate" panose="02000504000000020004" pitchFamily="2" charset="77"/>
+              </a:rPr>
+              <a:t>, </a:t>
+            </a:r>
+            <a:r>
+              <a:rPr lang="en-US" sz="2000" i="1">
+                <a:solidFill>
+                  <a:schemeClr val="bg1">
+                    <a:lumMod val="95000"/>
+                  </a:schemeClr>
+                </a:solidFill>
+                <a:latin typeface="Copperplate" panose="02000504000000020004" pitchFamily="2" charset="77"/>
+              </a:rPr>
+              <a:t>Repo </a:t>
+            </a:r>
+            <a:r>
+              <a:rPr lang="en-US" sz="2000" i="1" dirty="0">
+                <a:solidFill>
+                  <a:schemeClr val="bg1">
+                    <a:lumMod val="95000"/>
+                  </a:schemeClr>
+                </a:solidFill>
+                <a:latin typeface="Copperplate" panose="02000504000000020004" pitchFamily="2" charset="77"/>
+              </a:rPr>
+              <a:t>Owner</a:t>
             </a:r>
           </a:p>
         </p:txBody>
@@ -3719,7 +3777,7 @@
         <p:spPr>
           <a:xfrm>
             <a:off x="3303371" y="3576587"/>
-            <a:ext cx="5585254" cy="646331"/>
+            <a:ext cx="5585254" cy="523220"/>
           </a:xfrm>
           <a:prstGeom prst="rect">
             <a:avLst/>
@@ -3734,7 +3792,7 @@
           <a:p>
             <a:pPr algn="ctr"/>
             <a:r>
-              <a:rPr lang="en-US" sz="3600" b="1" dirty="0">
+              <a:rPr lang="en-US" sz="2800" b="1" dirty="0">
                 <a:latin typeface="Copperplate" panose="02000504000000020004" pitchFamily="2" charset="77"/>
               </a:rPr>
               <a:t>OVERVIEW</a:t>
@@ -3775,7 +3833,7 @@
               <a:rPr lang="en-US" sz="3600" dirty="0">
                 <a:latin typeface="Copperplate" panose="02000504000000020004" pitchFamily="2" charset="77"/>
               </a:rPr>
-              <a:t>THE </a:t>
+              <a:t>THE DEVELOPER </a:t>
             </a:r>
             <a:r>
               <a:rPr lang="en-US" sz="3600" b="1" dirty="0">
@@ -3800,8 +3858,8 @@
         </p:nvSpPr>
         <p:spPr>
           <a:xfrm>
-            <a:off x="4108622" y="4324040"/>
-            <a:ext cx="4090086" cy="1323439"/>
+            <a:off x="3410465" y="4324040"/>
+            <a:ext cx="5476099" cy="1631216"/>
           </a:xfrm>
           <a:prstGeom prst="rect">
             <a:avLst/>
@@ -3814,10 +3872,7 @@
           </a:bodyPr>
           <a:lstStyle/>
           <a:p>
-            <a:pPr marL="285750" indent="-285750">
-              <a:buFont typeface="Arial" panose="020B0604020202020204" pitchFamily="34" charset="0"/>
-              <a:buChar char="•"/>
-            </a:pPr>
+            <a:pPr algn="ctr"/>
             <a:r>
               <a:rPr lang="en-US" sz="2000" dirty="0">
                 <a:solidFill>
@@ -3831,10 +3886,7 @@
             </a:r>
           </a:p>
           <a:p>
-            <a:pPr marL="285750" indent="-285750">
-              <a:buFont typeface="Arial" panose="020B0604020202020204" pitchFamily="34" charset="0"/>
-              <a:buChar char="•"/>
-            </a:pPr>
+            <a:pPr algn="ctr"/>
             <a:r>
               <a:rPr lang="en-US" sz="2000" dirty="0">
                 <a:solidFill>
@@ -3848,10 +3900,7 @@
             </a:r>
           </a:p>
           <a:p>
-            <a:pPr marL="285750" indent="-285750">
-              <a:buFont typeface="Arial" panose="020B0604020202020204" pitchFamily="34" charset="0"/>
-              <a:buChar char="•"/>
-            </a:pPr>
+            <a:pPr algn="ctr"/>
             <a:r>
               <a:rPr lang="en-US" sz="2000" dirty="0">
                 <a:solidFill>
@@ -3861,11 +3910,25 @@
                 </a:solidFill>
                 <a:latin typeface="Copperplate" panose="02000504000000020004" pitchFamily="2" charset="77"/>
               </a:rPr>
-              <a:t>Stretch Goals</a:t>
-            </a:r>
-          </a:p>
-          <a:p>
-            <a:pPr marL="285750" indent="-285750">
+              <a:t>Remaining Challenges</a:t>
+            </a:r>
+          </a:p>
+          <a:p>
+            <a:pPr algn="ctr"/>
+            <a:r>
+              <a:rPr lang="en-US" sz="2000" dirty="0">
+                <a:solidFill>
+                  <a:schemeClr val="bg1">
+                    <a:lumMod val="95000"/>
+                  </a:schemeClr>
+                </a:solidFill>
+                <a:latin typeface="Copperplate" panose="02000504000000020004" pitchFamily="2" charset="77"/>
+              </a:rPr>
+              <a:t> Lessons Learned</a:t>
+            </a:r>
+          </a:p>
+          <a:p>
+            <a:pPr marL="285750" indent="-285750" algn="ctr">
               <a:buFont typeface="Arial" panose="020B0604020202020204" pitchFamily="34" charset="0"/>
               <a:buChar char="•"/>
             </a:pPr>
@@ -3884,6 +3947,1543 @@
     <p:extLst>
       <p:ext uri="{BB962C8B-B14F-4D97-AF65-F5344CB8AC3E}">
         <p14:creationId xmlns:p14="http://schemas.microsoft.com/office/powerpoint/2010/main" val="1644050534"/>
+      </p:ext>
+    </p:extLst>
+  </p:cSld>
+  <p:clrMapOvr>
+    <a:masterClrMapping/>
+  </p:clrMapOvr>
+</p:sld>
+</file>
+
+<file path=ppt/slides/slide3.xml><?xml version="1.0" encoding="utf-8"?>
+<p:sld xmlns:a="http://schemas.openxmlformats.org/drawingml/2006/main" xmlns:r="http://schemas.openxmlformats.org/officeDocument/2006/relationships" xmlns:p="http://schemas.openxmlformats.org/presentationml/2006/main">
+  <p:cSld>
+    <p:bg>
+      <p:bgPr>
+        <a:solidFill>
+          <a:schemeClr val="bg2">
+            <a:lumMod val="50000"/>
+          </a:schemeClr>
+        </a:solidFill>
+        <a:effectLst/>
+      </p:bgPr>
+    </p:bg>
+    <p:spTree>
+      <p:nvGrpSpPr>
+        <p:cNvPr id="1" name=""/>
+        <p:cNvGrpSpPr/>
+        <p:nvPr/>
+      </p:nvGrpSpPr>
+      <p:grpSpPr>
+        <a:xfrm>
+          <a:off x="0" y="0"/>
+          <a:ext cx="0" cy="0"/>
+          <a:chOff x="0" y="0"/>
+          <a:chExt cx="0" cy="0"/>
+        </a:xfrm>
+      </p:grpSpPr>
+      <p:pic>
+        <p:nvPicPr>
+          <p:cNvPr id="5" name="Picture 4" descr="A picture containing indoor&#10;&#10;Description automatically generated">
+            <a:extLst>
+              <a:ext uri="{FF2B5EF4-FFF2-40B4-BE49-F238E27FC236}">
+                <a16:creationId xmlns:a16="http://schemas.microsoft.com/office/drawing/2014/main" id="{834D9A81-EA48-E890-111D-13C466E1050B}"/>
+              </a:ext>
+            </a:extLst>
+          </p:cNvPr>
+          <p:cNvPicPr>
+            <a:picLocks noChangeAspect="1"/>
+          </p:cNvPicPr>
+          <p:nvPr/>
+        </p:nvPicPr>
+        <p:blipFill>
+          <a:blip r:embed="rId2">
+            <a:alphaModFix amt="20000"/>
+          </a:blip>
+          <a:stretch>
+            <a:fillRect/>
+          </a:stretch>
+        </p:blipFill>
+        <p:spPr>
+          <a:xfrm>
+            <a:off x="1532238" y="-86497"/>
+            <a:ext cx="9156357" cy="7080421"/>
+          </a:xfrm>
+          <a:prstGeom prst="rect">
+            <a:avLst/>
+          </a:prstGeom>
+        </p:spPr>
+      </p:pic>
+      <p:sp>
+        <p:nvSpPr>
+          <p:cNvPr id="2" name="Title 1">
+            <a:extLst>
+              <a:ext uri="{FF2B5EF4-FFF2-40B4-BE49-F238E27FC236}">
+                <a16:creationId xmlns:a16="http://schemas.microsoft.com/office/drawing/2014/main" id="{D87C433E-5CD1-7179-AF6C-C94CF28E9DEA}"/>
+              </a:ext>
+            </a:extLst>
+          </p:cNvPr>
+          <p:cNvSpPr>
+            <a:spLocks noGrp="1"/>
+          </p:cNvSpPr>
+          <p:nvPr>
+            <p:ph type="ctrTitle"/>
+          </p:nvPr>
+        </p:nvSpPr>
+        <p:spPr>
+          <a:xfrm>
+            <a:off x="0" y="0"/>
+            <a:ext cx="1666101" cy="6858000"/>
+          </a:xfrm>
+        </p:spPr>
+        <p:txBody>
+          <a:bodyPr vert="wordArtVert" anchor="ctr" anchorCtr="0">
+            <a:normAutofit/>
+          </a:bodyPr>
+          <a:lstStyle/>
+          <a:p>
+            <a:r>
+              <a:rPr lang="en-US" dirty="0">
+                <a:solidFill>
+                  <a:srgbClr val="C00000"/>
+                </a:solidFill>
+                <a:latin typeface="Copperplate" panose="02000504000000020004" pitchFamily="2" charset="77"/>
+              </a:rPr>
+              <a:t>POISON</a:t>
+            </a:r>
+          </a:p>
+        </p:txBody>
+      </p:sp>
+      <p:sp>
+        <p:nvSpPr>
+          <p:cNvPr id="3" name="Subtitle 2">
+            <a:extLst>
+              <a:ext uri="{FF2B5EF4-FFF2-40B4-BE49-F238E27FC236}">
+                <a16:creationId xmlns:a16="http://schemas.microsoft.com/office/drawing/2014/main" id="{CBC5AC38-4118-0B29-4DD7-E601F99B10A9}"/>
+              </a:ext>
+            </a:extLst>
+          </p:cNvPr>
+          <p:cNvSpPr>
+            <a:spLocks noGrp="1"/>
+          </p:cNvSpPr>
+          <p:nvPr>
+            <p:ph type="subTitle" idx="1"/>
+          </p:nvPr>
+        </p:nvSpPr>
+        <p:spPr>
+          <a:xfrm>
+            <a:off x="10525896" y="0"/>
+            <a:ext cx="1666104" cy="6858000"/>
+          </a:xfrm>
+        </p:spPr>
+        <p:txBody>
+          <a:bodyPr vert="wordArtVert" anchor="ctr" anchorCtr="0">
+            <a:noAutofit/>
+          </a:bodyPr>
+          <a:lstStyle/>
+          <a:p>
+            <a:r>
+              <a:rPr lang="en-US" sz="6000" dirty="0">
+                <a:solidFill>
+                  <a:srgbClr val="C00000"/>
+                </a:solidFill>
+                <a:latin typeface="Copperplate" panose="02000504000000020004" pitchFamily="2" charset="77"/>
+              </a:rPr>
+              <a:t>REMNANT</a:t>
+            </a:r>
+          </a:p>
+        </p:txBody>
+      </p:sp>
+      <p:sp>
+        <p:nvSpPr>
+          <p:cNvPr id="6" name="TextBox 5">
+            <a:extLst>
+              <a:ext uri="{FF2B5EF4-FFF2-40B4-BE49-F238E27FC236}">
+                <a16:creationId xmlns:a16="http://schemas.microsoft.com/office/drawing/2014/main" id="{AD8438D8-A9CE-CFB2-9405-7856A043D857}"/>
+              </a:ext>
+            </a:extLst>
+          </p:cNvPr>
+          <p:cNvSpPr txBox="1"/>
+          <p:nvPr/>
+        </p:nvSpPr>
+        <p:spPr>
+          <a:xfrm>
+            <a:off x="3303371" y="3576587"/>
+            <a:ext cx="5585254" cy="523220"/>
+          </a:xfrm>
+          <a:prstGeom prst="rect">
+            <a:avLst/>
+          </a:prstGeom>
+          <a:noFill/>
+        </p:spPr>
+        <p:txBody>
+          <a:bodyPr wrap="square" rtlCol="0">
+            <a:spAutoFit/>
+          </a:bodyPr>
+          <a:lstStyle/>
+          <a:p>
+            <a:pPr algn="ctr"/>
+            <a:r>
+              <a:rPr lang="en-US" sz="2800" b="1" dirty="0">
+                <a:latin typeface="Copperplate" panose="02000504000000020004" pitchFamily="2" charset="77"/>
+              </a:rPr>
+              <a:t>OVERVIEW</a:t>
+            </a:r>
+          </a:p>
+        </p:txBody>
+      </p:sp>
+      <p:sp>
+        <p:nvSpPr>
+          <p:cNvPr id="7" name="TextBox 6">
+            <a:extLst>
+              <a:ext uri="{FF2B5EF4-FFF2-40B4-BE49-F238E27FC236}">
+                <a16:creationId xmlns:a16="http://schemas.microsoft.com/office/drawing/2014/main" id="{97A9065F-BAFF-C59B-7BA8-B9E4DF3F0ED4}"/>
+              </a:ext>
+            </a:extLst>
+          </p:cNvPr>
+          <p:cNvSpPr txBox="1"/>
+          <p:nvPr/>
+        </p:nvSpPr>
+        <p:spPr>
+          <a:xfrm>
+            <a:off x="3301310" y="766120"/>
+            <a:ext cx="5585254" cy="1200329"/>
+          </a:xfrm>
+          <a:prstGeom prst="rect">
+            <a:avLst/>
+          </a:prstGeom>
+          <a:noFill/>
+        </p:spPr>
+        <p:txBody>
+          <a:bodyPr wrap="square" rtlCol="0">
+            <a:spAutoFit/>
+          </a:bodyPr>
+          <a:lstStyle/>
+          <a:p>
+            <a:pPr algn="ctr"/>
+            <a:r>
+              <a:rPr lang="en-US" sz="3600" b="1" dirty="0">
+                <a:latin typeface="Copperplate" panose="02000504000000020004" pitchFamily="2" charset="77"/>
+              </a:rPr>
+              <a:t>Methodologies </a:t>
+            </a:r>
+          </a:p>
+          <a:p>
+            <a:pPr algn="ctr"/>
+            <a:endParaRPr lang="en-US" sz="3600" b="1" dirty="0">
+              <a:latin typeface="Copperplate" panose="02000504000000020004" pitchFamily="2" charset="77"/>
+            </a:endParaRPr>
+          </a:p>
+        </p:txBody>
+      </p:sp>
+      <p:sp>
+        <p:nvSpPr>
+          <p:cNvPr id="8" name="TextBox 7">
+            <a:extLst>
+              <a:ext uri="{FF2B5EF4-FFF2-40B4-BE49-F238E27FC236}">
+                <a16:creationId xmlns:a16="http://schemas.microsoft.com/office/drawing/2014/main" id="{7079610E-85FD-7F92-4F6F-6D94A304050E}"/>
+              </a:ext>
+            </a:extLst>
+          </p:cNvPr>
+          <p:cNvSpPr txBox="1"/>
+          <p:nvPr/>
+        </p:nvSpPr>
+        <p:spPr>
+          <a:xfrm>
+            <a:off x="4108622" y="4324040"/>
+            <a:ext cx="4090086" cy="1631216"/>
+          </a:xfrm>
+          <a:prstGeom prst="rect">
+            <a:avLst/>
+          </a:prstGeom>
+          <a:noFill/>
+        </p:spPr>
+        <p:txBody>
+          <a:bodyPr wrap="square" rtlCol="0">
+            <a:spAutoFit/>
+          </a:bodyPr>
+          <a:lstStyle/>
+          <a:p>
+            <a:pPr algn="ctr"/>
+            <a:r>
+              <a:rPr lang="en-US" sz="2000" dirty="0">
+                <a:solidFill>
+                  <a:schemeClr val="bg1">
+                    <a:lumMod val="95000"/>
+                  </a:schemeClr>
+                </a:solidFill>
+                <a:latin typeface="Copperplate" panose="02000504000000020004" pitchFamily="2" charset="77"/>
+              </a:rPr>
+              <a:t>Agile</a:t>
+            </a:r>
+          </a:p>
+          <a:p>
+            <a:pPr algn="ctr"/>
+            <a:r>
+              <a:rPr lang="en-US" sz="2000" dirty="0">
+                <a:solidFill>
+                  <a:schemeClr val="bg1">
+                    <a:lumMod val="95000"/>
+                  </a:schemeClr>
+                </a:solidFill>
+                <a:latin typeface="Copperplate" panose="02000504000000020004" pitchFamily="2" charset="77"/>
+              </a:rPr>
+              <a:t>Trello</a:t>
+            </a:r>
+          </a:p>
+          <a:p>
+            <a:pPr algn="ctr"/>
+            <a:r>
+              <a:rPr lang="en-US" sz="2000" dirty="0">
+                <a:solidFill>
+                  <a:schemeClr val="bg1">
+                    <a:lumMod val="95000"/>
+                  </a:schemeClr>
+                </a:solidFill>
+                <a:latin typeface="Copperplate" panose="02000504000000020004" pitchFamily="2" charset="77"/>
+              </a:rPr>
+              <a:t>Wiring Diagram</a:t>
+            </a:r>
+          </a:p>
+          <a:p>
+            <a:pPr algn="ctr"/>
+            <a:r>
+              <a:rPr lang="en-US" sz="2000" dirty="0">
+                <a:solidFill>
+                  <a:schemeClr val="bg1">
+                    <a:lumMod val="95000"/>
+                  </a:schemeClr>
+                </a:solidFill>
+                <a:latin typeface="Copperplate" panose="02000504000000020004" pitchFamily="2" charset="77"/>
+              </a:rPr>
+              <a:t>README</a:t>
+            </a:r>
+          </a:p>
+          <a:p>
+            <a:pPr marL="285750" indent="-285750" algn="ctr">
+              <a:buFont typeface="Arial" panose="020B0604020202020204" pitchFamily="34" charset="0"/>
+              <a:buChar char="•"/>
+            </a:pPr>
+            <a:endParaRPr lang="en-US" sz="2000" dirty="0">
+              <a:solidFill>
+                <a:schemeClr val="bg1">
+                  <a:lumMod val="95000"/>
+                </a:schemeClr>
+              </a:solidFill>
+              <a:latin typeface="Copperplate" panose="02000504000000020004" pitchFamily="2" charset="77"/>
+            </a:endParaRPr>
+          </a:p>
+        </p:txBody>
+      </p:sp>
+      <p:sp>
+        <p:nvSpPr>
+          <p:cNvPr id="9" name="TextBox 8">
+            <a:extLst>
+              <a:ext uri="{FF2B5EF4-FFF2-40B4-BE49-F238E27FC236}">
+                <a16:creationId xmlns:a16="http://schemas.microsoft.com/office/drawing/2014/main" id="{D79BB699-8A5B-1FBA-D030-8D19E0D28BBF}"/>
+              </a:ext>
+            </a:extLst>
+          </p:cNvPr>
+          <p:cNvSpPr txBox="1"/>
+          <p:nvPr/>
+        </p:nvSpPr>
+        <p:spPr>
+          <a:xfrm>
+            <a:off x="4744995" y="1643283"/>
+            <a:ext cx="2817340" cy="646331"/>
+          </a:xfrm>
+          <a:prstGeom prst="rect">
+            <a:avLst/>
+          </a:prstGeom>
+          <a:noFill/>
+        </p:spPr>
+        <p:txBody>
+          <a:bodyPr wrap="square" rtlCol="0">
+            <a:spAutoFit/>
+          </a:bodyPr>
+          <a:lstStyle/>
+          <a:p>
+            <a:pPr algn="ctr"/>
+            <a:r>
+              <a:rPr lang="en-US" b="1" dirty="0">
+                <a:latin typeface="Copperplate" panose="02000504000000020004" pitchFamily="2" charset="77"/>
+              </a:rPr>
+              <a:t> </a:t>
+            </a:r>
+            <a:r>
+              <a:rPr lang="en-US" b="1" dirty="0">
+                <a:solidFill>
+                  <a:schemeClr val="bg1">
+                    <a:lumMod val="95000"/>
+                  </a:schemeClr>
+                </a:solidFill>
+                <a:latin typeface="Copperplate" panose="02000504000000020004" pitchFamily="2" charset="77"/>
+              </a:rPr>
+              <a:t>Ken Pederson</a:t>
+            </a:r>
+          </a:p>
+          <a:p>
+            <a:pPr algn="ctr"/>
+            <a:endParaRPr lang="en-US" dirty="0"/>
+          </a:p>
+        </p:txBody>
+      </p:sp>
+    </p:spTree>
+    <p:extLst>
+      <p:ext uri="{BB962C8B-B14F-4D97-AF65-F5344CB8AC3E}">
+        <p14:creationId xmlns:p14="http://schemas.microsoft.com/office/powerpoint/2010/main" val="4274770199"/>
+      </p:ext>
+    </p:extLst>
+  </p:cSld>
+  <p:clrMapOvr>
+    <a:masterClrMapping/>
+  </p:clrMapOvr>
+</p:sld>
+</file>
+
+<file path=ppt/slides/slide4.xml><?xml version="1.0" encoding="utf-8"?>
+<p:sld xmlns:a="http://schemas.openxmlformats.org/drawingml/2006/main" xmlns:r="http://schemas.openxmlformats.org/officeDocument/2006/relationships" xmlns:p="http://schemas.openxmlformats.org/presentationml/2006/main">
+  <p:cSld>
+    <p:bg>
+      <p:bgPr>
+        <a:solidFill>
+          <a:schemeClr val="bg2">
+            <a:lumMod val="50000"/>
+          </a:schemeClr>
+        </a:solidFill>
+        <a:effectLst/>
+      </p:bgPr>
+    </p:bg>
+    <p:spTree>
+      <p:nvGrpSpPr>
+        <p:cNvPr id="1" name=""/>
+        <p:cNvGrpSpPr/>
+        <p:nvPr/>
+      </p:nvGrpSpPr>
+      <p:grpSpPr>
+        <a:xfrm>
+          <a:off x="0" y="0"/>
+          <a:ext cx="0" cy="0"/>
+          <a:chOff x="0" y="0"/>
+          <a:chExt cx="0" cy="0"/>
+        </a:xfrm>
+      </p:grpSpPr>
+      <p:pic>
+        <p:nvPicPr>
+          <p:cNvPr id="5" name="Picture 4" descr="A picture containing indoor&#10;&#10;Description automatically generated">
+            <a:extLst>
+              <a:ext uri="{FF2B5EF4-FFF2-40B4-BE49-F238E27FC236}">
+                <a16:creationId xmlns:a16="http://schemas.microsoft.com/office/drawing/2014/main" id="{834D9A81-EA48-E890-111D-13C466E1050B}"/>
+              </a:ext>
+            </a:extLst>
+          </p:cNvPr>
+          <p:cNvPicPr>
+            <a:picLocks noChangeAspect="1"/>
+          </p:cNvPicPr>
+          <p:nvPr/>
+        </p:nvPicPr>
+        <p:blipFill>
+          <a:blip r:embed="rId2">
+            <a:alphaModFix amt="20000"/>
+          </a:blip>
+          <a:stretch>
+            <a:fillRect/>
+          </a:stretch>
+        </p:blipFill>
+        <p:spPr>
+          <a:xfrm>
+            <a:off x="1532238" y="-86497"/>
+            <a:ext cx="9156357" cy="7080421"/>
+          </a:xfrm>
+          <a:prstGeom prst="rect">
+            <a:avLst/>
+          </a:prstGeom>
+        </p:spPr>
+      </p:pic>
+      <p:sp>
+        <p:nvSpPr>
+          <p:cNvPr id="2" name="Title 1">
+            <a:extLst>
+              <a:ext uri="{FF2B5EF4-FFF2-40B4-BE49-F238E27FC236}">
+                <a16:creationId xmlns:a16="http://schemas.microsoft.com/office/drawing/2014/main" id="{D87C433E-5CD1-7179-AF6C-C94CF28E9DEA}"/>
+              </a:ext>
+            </a:extLst>
+          </p:cNvPr>
+          <p:cNvSpPr>
+            <a:spLocks noGrp="1"/>
+          </p:cNvSpPr>
+          <p:nvPr>
+            <p:ph type="ctrTitle"/>
+          </p:nvPr>
+        </p:nvSpPr>
+        <p:spPr>
+          <a:xfrm>
+            <a:off x="0" y="0"/>
+            <a:ext cx="1666101" cy="6858000"/>
+          </a:xfrm>
+        </p:spPr>
+        <p:txBody>
+          <a:bodyPr vert="wordArtVert" anchor="ctr" anchorCtr="0">
+            <a:normAutofit/>
+          </a:bodyPr>
+          <a:lstStyle/>
+          <a:p>
+            <a:r>
+              <a:rPr lang="en-US" dirty="0">
+                <a:solidFill>
+                  <a:srgbClr val="C00000"/>
+                </a:solidFill>
+                <a:latin typeface="Copperplate" panose="02000504000000020004" pitchFamily="2" charset="77"/>
+              </a:rPr>
+              <a:t>POISON</a:t>
+            </a:r>
+          </a:p>
+        </p:txBody>
+      </p:sp>
+      <p:sp>
+        <p:nvSpPr>
+          <p:cNvPr id="3" name="Subtitle 2">
+            <a:extLst>
+              <a:ext uri="{FF2B5EF4-FFF2-40B4-BE49-F238E27FC236}">
+                <a16:creationId xmlns:a16="http://schemas.microsoft.com/office/drawing/2014/main" id="{CBC5AC38-4118-0B29-4DD7-E601F99B10A9}"/>
+              </a:ext>
+            </a:extLst>
+          </p:cNvPr>
+          <p:cNvSpPr>
+            <a:spLocks noGrp="1"/>
+          </p:cNvSpPr>
+          <p:nvPr>
+            <p:ph type="subTitle" idx="1"/>
+          </p:nvPr>
+        </p:nvSpPr>
+        <p:spPr>
+          <a:xfrm>
+            <a:off x="10525896" y="0"/>
+            <a:ext cx="1666104" cy="6858000"/>
+          </a:xfrm>
+        </p:spPr>
+        <p:txBody>
+          <a:bodyPr vert="wordArtVert" anchor="ctr" anchorCtr="0">
+            <a:noAutofit/>
+          </a:bodyPr>
+          <a:lstStyle/>
+          <a:p>
+            <a:r>
+              <a:rPr lang="en-US" sz="6000" dirty="0">
+                <a:solidFill>
+                  <a:srgbClr val="C00000"/>
+                </a:solidFill>
+                <a:latin typeface="Copperplate" panose="02000504000000020004" pitchFamily="2" charset="77"/>
+              </a:rPr>
+              <a:t>REMNANT</a:t>
+            </a:r>
+          </a:p>
+        </p:txBody>
+      </p:sp>
+      <p:sp>
+        <p:nvSpPr>
+          <p:cNvPr id="7" name="TextBox 6">
+            <a:extLst>
+              <a:ext uri="{FF2B5EF4-FFF2-40B4-BE49-F238E27FC236}">
+                <a16:creationId xmlns:a16="http://schemas.microsoft.com/office/drawing/2014/main" id="{97A9065F-BAFF-C59B-7BA8-B9E4DF3F0ED4}"/>
+              </a:ext>
+            </a:extLst>
+          </p:cNvPr>
+          <p:cNvSpPr txBox="1"/>
+          <p:nvPr/>
+        </p:nvSpPr>
+        <p:spPr>
+          <a:xfrm>
+            <a:off x="2551671" y="766120"/>
+            <a:ext cx="7203988" cy="646331"/>
+          </a:xfrm>
+          <a:prstGeom prst="rect">
+            <a:avLst/>
+          </a:prstGeom>
+          <a:noFill/>
+        </p:spPr>
+        <p:txBody>
+          <a:bodyPr wrap="square" rtlCol="0">
+            <a:spAutoFit/>
+          </a:bodyPr>
+          <a:lstStyle/>
+          <a:p>
+            <a:pPr algn="ctr"/>
+            <a:r>
+              <a:rPr lang="en-US" sz="3600" dirty="0">
+                <a:latin typeface="Copperplate" panose="02000504000000020004" pitchFamily="2" charset="77"/>
+              </a:rPr>
+              <a:t>Application Demonstration</a:t>
+            </a:r>
+            <a:endParaRPr lang="en-US" sz="3600" b="1" dirty="0">
+              <a:latin typeface="Copperplate" panose="02000504000000020004" pitchFamily="2" charset="77"/>
+            </a:endParaRPr>
+          </a:p>
+        </p:txBody>
+      </p:sp>
+      <p:sp>
+        <p:nvSpPr>
+          <p:cNvPr id="9" name="TextBox 8">
+            <a:extLst>
+              <a:ext uri="{FF2B5EF4-FFF2-40B4-BE49-F238E27FC236}">
+                <a16:creationId xmlns:a16="http://schemas.microsoft.com/office/drawing/2014/main" id="{D79BB699-8A5B-1FBA-D030-8D19E0D28BBF}"/>
+              </a:ext>
+            </a:extLst>
+          </p:cNvPr>
+          <p:cNvSpPr txBox="1"/>
+          <p:nvPr/>
+        </p:nvSpPr>
+        <p:spPr>
+          <a:xfrm>
+            <a:off x="4522573" y="1636684"/>
+            <a:ext cx="3262183" cy="646331"/>
+          </a:xfrm>
+          <a:prstGeom prst="rect">
+            <a:avLst/>
+          </a:prstGeom>
+          <a:noFill/>
+        </p:spPr>
+        <p:txBody>
+          <a:bodyPr wrap="square" rtlCol="0">
+            <a:spAutoFit/>
+          </a:bodyPr>
+          <a:lstStyle/>
+          <a:p>
+            <a:pPr algn="ctr"/>
+            <a:r>
+              <a:rPr lang="en-US" b="1" dirty="0">
+                <a:latin typeface="Copperplate" panose="02000504000000020004" pitchFamily="2" charset="77"/>
+              </a:rPr>
+              <a:t> </a:t>
+            </a:r>
+            <a:r>
+              <a:rPr lang="en-US" b="1" dirty="0">
+                <a:solidFill>
+                  <a:schemeClr val="bg1">
+                    <a:lumMod val="95000"/>
+                  </a:schemeClr>
+                </a:solidFill>
+                <a:latin typeface="Copperplate" panose="02000504000000020004" pitchFamily="2" charset="77"/>
+              </a:rPr>
+              <a:t>Samantha </a:t>
+            </a:r>
+            <a:r>
+              <a:rPr lang="en-US" b="1" dirty="0" err="1">
+                <a:solidFill>
+                  <a:schemeClr val="bg1">
+                    <a:lumMod val="95000"/>
+                  </a:schemeClr>
+                </a:solidFill>
+                <a:latin typeface="Copperplate" panose="02000504000000020004" pitchFamily="2" charset="77"/>
+              </a:rPr>
+              <a:t>Heisterkamp</a:t>
+            </a:r>
+            <a:endParaRPr lang="en-US" b="1" dirty="0">
+              <a:solidFill>
+                <a:schemeClr val="bg1">
+                  <a:lumMod val="95000"/>
+                </a:schemeClr>
+              </a:solidFill>
+              <a:latin typeface="Copperplate" panose="02000504000000020004" pitchFamily="2" charset="77"/>
+            </a:endParaRPr>
+          </a:p>
+          <a:p>
+            <a:pPr algn="ctr"/>
+            <a:endParaRPr lang="en-US" dirty="0"/>
+          </a:p>
+        </p:txBody>
+      </p:sp>
+    </p:spTree>
+    <p:extLst>
+      <p:ext uri="{BB962C8B-B14F-4D97-AF65-F5344CB8AC3E}">
+        <p14:creationId xmlns:p14="http://schemas.microsoft.com/office/powerpoint/2010/main" val="3266239358"/>
+      </p:ext>
+    </p:extLst>
+  </p:cSld>
+  <p:clrMapOvr>
+    <a:masterClrMapping/>
+  </p:clrMapOvr>
+</p:sld>
+</file>
+
+<file path=ppt/slides/slide5.xml><?xml version="1.0" encoding="utf-8"?>
+<p:sld xmlns:a="http://schemas.openxmlformats.org/drawingml/2006/main" xmlns:r="http://schemas.openxmlformats.org/officeDocument/2006/relationships" xmlns:p="http://schemas.openxmlformats.org/presentationml/2006/main">
+  <p:cSld>
+    <p:bg>
+      <p:bgPr>
+        <a:solidFill>
+          <a:schemeClr val="bg2">
+            <a:lumMod val="50000"/>
+          </a:schemeClr>
+        </a:solidFill>
+        <a:effectLst/>
+      </p:bgPr>
+    </p:bg>
+    <p:spTree>
+      <p:nvGrpSpPr>
+        <p:cNvPr id="1" name=""/>
+        <p:cNvGrpSpPr/>
+        <p:nvPr/>
+      </p:nvGrpSpPr>
+      <p:grpSpPr>
+        <a:xfrm>
+          <a:off x="0" y="0"/>
+          <a:ext cx="0" cy="0"/>
+          <a:chOff x="0" y="0"/>
+          <a:chExt cx="0" cy="0"/>
+        </a:xfrm>
+      </p:grpSpPr>
+      <p:pic>
+        <p:nvPicPr>
+          <p:cNvPr id="5" name="Picture 4" descr="A picture containing indoor&#10;&#10;Description automatically generated">
+            <a:extLst>
+              <a:ext uri="{FF2B5EF4-FFF2-40B4-BE49-F238E27FC236}">
+                <a16:creationId xmlns:a16="http://schemas.microsoft.com/office/drawing/2014/main" id="{834D9A81-EA48-E890-111D-13C466E1050B}"/>
+              </a:ext>
+            </a:extLst>
+          </p:cNvPr>
+          <p:cNvPicPr>
+            <a:picLocks noChangeAspect="1"/>
+          </p:cNvPicPr>
+          <p:nvPr/>
+        </p:nvPicPr>
+        <p:blipFill>
+          <a:blip r:embed="rId2">
+            <a:alphaModFix amt="20000"/>
+          </a:blip>
+          <a:stretch>
+            <a:fillRect/>
+          </a:stretch>
+        </p:blipFill>
+        <p:spPr>
+          <a:xfrm>
+            <a:off x="1532238" y="-86497"/>
+            <a:ext cx="9156357" cy="7080421"/>
+          </a:xfrm>
+          <a:prstGeom prst="rect">
+            <a:avLst/>
+          </a:prstGeom>
+        </p:spPr>
+      </p:pic>
+      <p:sp>
+        <p:nvSpPr>
+          <p:cNvPr id="2" name="Title 1">
+            <a:extLst>
+              <a:ext uri="{FF2B5EF4-FFF2-40B4-BE49-F238E27FC236}">
+                <a16:creationId xmlns:a16="http://schemas.microsoft.com/office/drawing/2014/main" id="{D87C433E-5CD1-7179-AF6C-C94CF28E9DEA}"/>
+              </a:ext>
+            </a:extLst>
+          </p:cNvPr>
+          <p:cNvSpPr>
+            <a:spLocks noGrp="1"/>
+          </p:cNvSpPr>
+          <p:nvPr>
+            <p:ph type="ctrTitle"/>
+          </p:nvPr>
+        </p:nvSpPr>
+        <p:spPr>
+          <a:xfrm>
+            <a:off x="0" y="0"/>
+            <a:ext cx="1666101" cy="6858000"/>
+          </a:xfrm>
+        </p:spPr>
+        <p:txBody>
+          <a:bodyPr vert="wordArtVert" anchor="ctr" anchorCtr="0">
+            <a:normAutofit/>
+          </a:bodyPr>
+          <a:lstStyle/>
+          <a:p>
+            <a:r>
+              <a:rPr lang="en-US" dirty="0">
+                <a:solidFill>
+                  <a:srgbClr val="C00000"/>
+                </a:solidFill>
+                <a:latin typeface="Copperplate" panose="02000504000000020004" pitchFamily="2" charset="77"/>
+              </a:rPr>
+              <a:t>POISON</a:t>
+            </a:r>
+          </a:p>
+        </p:txBody>
+      </p:sp>
+      <p:sp>
+        <p:nvSpPr>
+          <p:cNvPr id="3" name="Subtitle 2">
+            <a:extLst>
+              <a:ext uri="{FF2B5EF4-FFF2-40B4-BE49-F238E27FC236}">
+                <a16:creationId xmlns:a16="http://schemas.microsoft.com/office/drawing/2014/main" id="{CBC5AC38-4118-0B29-4DD7-E601F99B10A9}"/>
+              </a:ext>
+            </a:extLst>
+          </p:cNvPr>
+          <p:cNvSpPr>
+            <a:spLocks noGrp="1"/>
+          </p:cNvSpPr>
+          <p:nvPr>
+            <p:ph type="subTitle" idx="1"/>
+          </p:nvPr>
+        </p:nvSpPr>
+        <p:spPr>
+          <a:xfrm>
+            <a:off x="10525896" y="0"/>
+            <a:ext cx="1666104" cy="6858000"/>
+          </a:xfrm>
+        </p:spPr>
+        <p:txBody>
+          <a:bodyPr vert="wordArtVert" anchor="ctr" anchorCtr="0">
+            <a:noAutofit/>
+          </a:bodyPr>
+          <a:lstStyle/>
+          <a:p>
+            <a:r>
+              <a:rPr lang="en-US" sz="6000" dirty="0">
+                <a:solidFill>
+                  <a:srgbClr val="C00000"/>
+                </a:solidFill>
+                <a:latin typeface="Copperplate" panose="02000504000000020004" pitchFamily="2" charset="77"/>
+              </a:rPr>
+              <a:t>REMNANT</a:t>
+            </a:r>
+          </a:p>
+        </p:txBody>
+      </p:sp>
+      <p:sp>
+        <p:nvSpPr>
+          <p:cNvPr id="6" name="TextBox 5">
+            <a:extLst>
+              <a:ext uri="{FF2B5EF4-FFF2-40B4-BE49-F238E27FC236}">
+                <a16:creationId xmlns:a16="http://schemas.microsoft.com/office/drawing/2014/main" id="{AD8438D8-A9CE-CFB2-9405-7856A043D857}"/>
+              </a:ext>
+            </a:extLst>
+          </p:cNvPr>
+          <p:cNvSpPr txBox="1"/>
+          <p:nvPr/>
+        </p:nvSpPr>
+        <p:spPr>
+          <a:xfrm>
+            <a:off x="3303371" y="3576587"/>
+            <a:ext cx="5585254" cy="523220"/>
+          </a:xfrm>
+          <a:prstGeom prst="rect">
+            <a:avLst/>
+          </a:prstGeom>
+          <a:noFill/>
+        </p:spPr>
+        <p:txBody>
+          <a:bodyPr wrap="square" rtlCol="0">
+            <a:spAutoFit/>
+          </a:bodyPr>
+          <a:lstStyle/>
+          <a:p>
+            <a:pPr algn="ctr"/>
+            <a:r>
+              <a:rPr lang="en-US" sz="2800" b="1" dirty="0">
+                <a:latin typeface="Copperplate" panose="02000504000000020004" pitchFamily="2" charset="77"/>
+              </a:rPr>
+              <a:t>OVERVIEW</a:t>
+            </a:r>
+          </a:p>
+        </p:txBody>
+      </p:sp>
+      <p:sp>
+        <p:nvSpPr>
+          <p:cNvPr id="7" name="TextBox 6">
+            <a:extLst>
+              <a:ext uri="{FF2B5EF4-FFF2-40B4-BE49-F238E27FC236}">
+                <a16:creationId xmlns:a16="http://schemas.microsoft.com/office/drawing/2014/main" id="{97A9065F-BAFF-C59B-7BA8-B9E4DF3F0ED4}"/>
+              </a:ext>
+            </a:extLst>
+          </p:cNvPr>
+          <p:cNvSpPr txBox="1"/>
+          <p:nvPr/>
+        </p:nvSpPr>
+        <p:spPr>
+          <a:xfrm>
+            <a:off x="3301310" y="766120"/>
+            <a:ext cx="5585254" cy="646331"/>
+          </a:xfrm>
+          <a:prstGeom prst="rect">
+            <a:avLst/>
+          </a:prstGeom>
+          <a:noFill/>
+        </p:spPr>
+        <p:txBody>
+          <a:bodyPr wrap="square" rtlCol="0">
+            <a:spAutoFit/>
+          </a:bodyPr>
+          <a:lstStyle/>
+          <a:p>
+            <a:pPr algn="ctr"/>
+            <a:r>
+              <a:rPr lang="en-US" sz="3600" dirty="0">
+                <a:latin typeface="Copperplate" panose="02000504000000020004" pitchFamily="2" charset="77"/>
+              </a:rPr>
+              <a:t>Remaining Challenges</a:t>
+            </a:r>
+            <a:endParaRPr lang="en-US" sz="3600" b="1" dirty="0">
+              <a:latin typeface="Copperplate" panose="02000504000000020004" pitchFamily="2" charset="77"/>
+            </a:endParaRPr>
+          </a:p>
+        </p:txBody>
+      </p:sp>
+      <p:sp>
+        <p:nvSpPr>
+          <p:cNvPr id="8" name="TextBox 7">
+            <a:extLst>
+              <a:ext uri="{FF2B5EF4-FFF2-40B4-BE49-F238E27FC236}">
+                <a16:creationId xmlns:a16="http://schemas.microsoft.com/office/drawing/2014/main" id="{7079610E-85FD-7F92-4F6F-6D94A304050E}"/>
+              </a:ext>
+            </a:extLst>
+          </p:cNvPr>
+          <p:cNvSpPr txBox="1"/>
+          <p:nvPr/>
+        </p:nvSpPr>
+        <p:spPr>
+          <a:xfrm>
+            <a:off x="3447535" y="4324040"/>
+            <a:ext cx="5439029" cy="707886"/>
+          </a:xfrm>
+          <a:prstGeom prst="rect">
+            <a:avLst/>
+          </a:prstGeom>
+          <a:noFill/>
+        </p:spPr>
+        <p:txBody>
+          <a:bodyPr wrap="square" rtlCol="0">
+            <a:spAutoFit/>
+          </a:bodyPr>
+          <a:lstStyle/>
+          <a:p>
+            <a:pPr algn="ctr"/>
+            <a:r>
+              <a:rPr lang="en-US" sz="2000" dirty="0">
+                <a:solidFill>
+                  <a:schemeClr val="bg1">
+                    <a:lumMod val="95000"/>
+                  </a:schemeClr>
+                </a:solidFill>
+                <a:latin typeface="Copperplate" panose="02000504000000020004" pitchFamily="2" charset="77"/>
+              </a:rPr>
+              <a:t>Bidding Capabilities</a:t>
+            </a:r>
+          </a:p>
+          <a:p>
+            <a:pPr algn="ctr"/>
+            <a:r>
+              <a:rPr lang="en-US" sz="2000" dirty="0">
+                <a:solidFill>
+                  <a:schemeClr val="bg1">
+                    <a:lumMod val="95000"/>
+                  </a:schemeClr>
+                </a:solidFill>
+                <a:latin typeface="Copperplate" panose="02000504000000020004" pitchFamily="2" charset="77"/>
+              </a:rPr>
+              <a:t>Customer Reviews &amp; Bakery Responses</a:t>
+            </a:r>
+          </a:p>
+        </p:txBody>
+      </p:sp>
+      <p:sp>
+        <p:nvSpPr>
+          <p:cNvPr id="9" name="TextBox 8">
+            <a:extLst>
+              <a:ext uri="{FF2B5EF4-FFF2-40B4-BE49-F238E27FC236}">
+                <a16:creationId xmlns:a16="http://schemas.microsoft.com/office/drawing/2014/main" id="{D79BB699-8A5B-1FBA-D030-8D19E0D28BBF}"/>
+              </a:ext>
+            </a:extLst>
+          </p:cNvPr>
+          <p:cNvSpPr txBox="1"/>
+          <p:nvPr/>
+        </p:nvSpPr>
+        <p:spPr>
+          <a:xfrm>
+            <a:off x="4744995" y="1643283"/>
+            <a:ext cx="2817340" cy="646331"/>
+          </a:xfrm>
+          <a:prstGeom prst="rect">
+            <a:avLst/>
+          </a:prstGeom>
+          <a:noFill/>
+        </p:spPr>
+        <p:txBody>
+          <a:bodyPr wrap="square" rtlCol="0">
+            <a:spAutoFit/>
+          </a:bodyPr>
+          <a:lstStyle/>
+          <a:p>
+            <a:pPr algn="ctr"/>
+            <a:r>
+              <a:rPr lang="en-US" b="1" dirty="0">
+                <a:latin typeface="Copperplate" panose="02000504000000020004" pitchFamily="2" charset="77"/>
+              </a:rPr>
+              <a:t> </a:t>
+            </a:r>
+            <a:r>
+              <a:rPr lang="en-US" b="1" dirty="0">
+                <a:solidFill>
+                  <a:schemeClr val="bg1">
+                    <a:lumMod val="95000"/>
+                  </a:schemeClr>
+                </a:solidFill>
+                <a:latin typeface="Copperplate" panose="02000504000000020004" pitchFamily="2" charset="77"/>
+              </a:rPr>
+              <a:t>Chad Rousseau</a:t>
+            </a:r>
+          </a:p>
+          <a:p>
+            <a:pPr algn="ctr"/>
+            <a:endParaRPr lang="en-US" dirty="0"/>
+          </a:p>
+        </p:txBody>
+      </p:sp>
+    </p:spTree>
+    <p:extLst>
+      <p:ext uri="{BB962C8B-B14F-4D97-AF65-F5344CB8AC3E}">
+        <p14:creationId xmlns:p14="http://schemas.microsoft.com/office/powerpoint/2010/main" val="2309352670"/>
+      </p:ext>
+    </p:extLst>
+  </p:cSld>
+  <p:clrMapOvr>
+    <a:masterClrMapping/>
+  </p:clrMapOvr>
+</p:sld>
+</file>
+
+<file path=ppt/slides/slide6.xml><?xml version="1.0" encoding="utf-8"?>
+<p:sld xmlns:a="http://schemas.openxmlformats.org/drawingml/2006/main" xmlns:r="http://schemas.openxmlformats.org/officeDocument/2006/relationships" xmlns:p="http://schemas.openxmlformats.org/presentationml/2006/main">
+  <p:cSld>
+    <p:bg>
+      <p:bgPr>
+        <a:solidFill>
+          <a:schemeClr val="bg2">
+            <a:lumMod val="50000"/>
+          </a:schemeClr>
+        </a:solidFill>
+        <a:effectLst/>
+      </p:bgPr>
+    </p:bg>
+    <p:spTree>
+      <p:nvGrpSpPr>
+        <p:cNvPr id="1" name=""/>
+        <p:cNvGrpSpPr/>
+        <p:nvPr/>
+      </p:nvGrpSpPr>
+      <p:grpSpPr>
+        <a:xfrm>
+          <a:off x="0" y="0"/>
+          <a:ext cx="0" cy="0"/>
+          <a:chOff x="0" y="0"/>
+          <a:chExt cx="0" cy="0"/>
+        </a:xfrm>
+      </p:grpSpPr>
+      <p:pic>
+        <p:nvPicPr>
+          <p:cNvPr id="5" name="Picture 4" descr="A picture containing indoor&#10;&#10;Description automatically generated">
+            <a:extLst>
+              <a:ext uri="{FF2B5EF4-FFF2-40B4-BE49-F238E27FC236}">
+                <a16:creationId xmlns:a16="http://schemas.microsoft.com/office/drawing/2014/main" id="{834D9A81-EA48-E890-111D-13C466E1050B}"/>
+              </a:ext>
+            </a:extLst>
+          </p:cNvPr>
+          <p:cNvPicPr>
+            <a:picLocks noChangeAspect="1"/>
+          </p:cNvPicPr>
+          <p:nvPr/>
+        </p:nvPicPr>
+        <p:blipFill>
+          <a:blip r:embed="rId2">
+            <a:alphaModFix amt="20000"/>
+          </a:blip>
+          <a:stretch>
+            <a:fillRect/>
+          </a:stretch>
+        </p:blipFill>
+        <p:spPr>
+          <a:xfrm>
+            <a:off x="1532238" y="-86497"/>
+            <a:ext cx="9156357" cy="7080421"/>
+          </a:xfrm>
+          <a:prstGeom prst="rect">
+            <a:avLst/>
+          </a:prstGeom>
+        </p:spPr>
+      </p:pic>
+      <p:sp>
+        <p:nvSpPr>
+          <p:cNvPr id="2" name="Title 1">
+            <a:extLst>
+              <a:ext uri="{FF2B5EF4-FFF2-40B4-BE49-F238E27FC236}">
+                <a16:creationId xmlns:a16="http://schemas.microsoft.com/office/drawing/2014/main" id="{D87C433E-5CD1-7179-AF6C-C94CF28E9DEA}"/>
+              </a:ext>
+            </a:extLst>
+          </p:cNvPr>
+          <p:cNvSpPr>
+            <a:spLocks noGrp="1"/>
+          </p:cNvSpPr>
+          <p:nvPr>
+            <p:ph type="ctrTitle"/>
+          </p:nvPr>
+        </p:nvSpPr>
+        <p:spPr>
+          <a:xfrm>
+            <a:off x="0" y="0"/>
+            <a:ext cx="1666101" cy="6858000"/>
+          </a:xfrm>
+        </p:spPr>
+        <p:txBody>
+          <a:bodyPr vert="wordArtVert" anchor="ctr" anchorCtr="0">
+            <a:normAutofit/>
+          </a:bodyPr>
+          <a:lstStyle/>
+          <a:p>
+            <a:r>
+              <a:rPr lang="en-US" dirty="0">
+                <a:solidFill>
+                  <a:srgbClr val="C00000"/>
+                </a:solidFill>
+                <a:latin typeface="Copperplate" panose="02000504000000020004" pitchFamily="2" charset="77"/>
+              </a:rPr>
+              <a:t>POISON</a:t>
+            </a:r>
+          </a:p>
+        </p:txBody>
+      </p:sp>
+      <p:sp>
+        <p:nvSpPr>
+          <p:cNvPr id="3" name="Subtitle 2">
+            <a:extLst>
+              <a:ext uri="{FF2B5EF4-FFF2-40B4-BE49-F238E27FC236}">
+                <a16:creationId xmlns:a16="http://schemas.microsoft.com/office/drawing/2014/main" id="{CBC5AC38-4118-0B29-4DD7-E601F99B10A9}"/>
+              </a:ext>
+            </a:extLst>
+          </p:cNvPr>
+          <p:cNvSpPr>
+            <a:spLocks noGrp="1"/>
+          </p:cNvSpPr>
+          <p:nvPr>
+            <p:ph type="subTitle" idx="1"/>
+          </p:nvPr>
+        </p:nvSpPr>
+        <p:spPr>
+          <a:xfrm>
+            <a:off x="10525896" y="0"/>
+            <a:ext cx="1666104" cy="6858000"/>
+          </a:xfrm>
+        </p:spPr>
+        <p:txBody>
+          <a:bodyPr vert="wordArtVert" anchor="ctr" anchorCtr="0">
+            <a:noAutofit/>
+          </a:bodyPr>
+          <a:lstStyle/>
+          <a:p>
+            <a:r>
+              <a:rPr lang="en-US" sz="6000" dirty="0">
+                <a:solidFill>
+                  <a:srgbClr val="C00000"/>
+                </a:solidFill>
+                <a:latin typeface="Copperplate" panose="02000504000000020004" pitchFamily="2" charset="77"/>
+              </a:rPr>
+              <a:t>REMNANT</a:t>
+            </a:r>
+          </a:p>
+        </p:txBody>
+      </p:sp>
+      <p:sp>
+        <p:nvSpPr>
+          <p:cNvPr id="7" name="TextBox 6">
+            <a:extLst>
+              <a:ext uri="{FF2B5EF4-FFF2-40B4-BE49-F238E27FC236}">
+                <a16:creationId xmlns:a16="http://schemas.microsoft.com/office/drawing/2014/main" id="{97A9065F-BAFF-C59B-7BA8-B9E4DF3F0ED4}"/>
+              </a:ext>
+            </a:extLst>
+          </p:cNvPr>
+          <p:cNvSpPr txBox="1"/>
+          <p:nvPr/>
+        </p:nvSpPr>
+        <p:spPr>
+          <a:xfrm>
+            <a:off x="3301310" y="766120"/>
+            <a:ext cx="5585254" cy="646331"/>
+          </a:xfrm>
+          <a:prstGeom prst="rect">
+            <a:avLst/>
+          </a:prstGeom>
+          <a:noFill/>
+        </p:spPr>
+        <p:txBody>
+          <a:bodyPr wrap="square" rtlCol="0">
+            <a:spAutoFit/>
+          </a:bodyPr>
+          <a:lstStyle/>
+          <a:p>
+            <a:pPr algn="ctr"/>
+            <a:r>
+              <a:rPr lang="en-US" sz="3600" dirty="0">
+                <a:latin typeface="Copperplate" panose="02000504000000020004" pitchFamily="2" charset="77"/>
+              </a:rPr>
+              <a:t>Lessons Learned</a:t>
+            </a:r>
+            <a:endParaRPr lang="en-US" sz="3600" b="1" dirty="0">
+              <a:latin typeface="Copperplate" panose="02000504000000020004" pitchFamily="2" charset="77"/>
+            </a:endParaRPr>
+          </a:p>
+        </p:txBody>
+      </p:sp>
+      <p:sp>
+        <p:nvSpPr>
+          <p:cNvPr id="9" name="TextBox 8">
+            <a:extLst>
+              <a:ext uri="{FF2B5EF4-FFF2-40B4-BE49-F238E27FC236}">
+                <a16:creationId xmlns:a16="http://schemas.microsoft.com/office/drawing/2014/main" id="{D79BB699-8A5B-1FBA-D030-8D19E0D28BBF}"/>
+              </a:ext>
+            </a:extLst>
+          </p:cNvPr>
+          <p:cNvSpPr txBox="1"/>
+          <p:nvPr/>
+        </p:nvSpPr>
+        <p:spPr>
+          <a:xfrm>
+            <a:off x="4744995" y="1643283"/>
+            <a:ext cx="2817340" cy="646331"/>
+          </a:xfrm>
+          <a:prstGeom prst="rect">
+            <a:avLst/>
+          </a:prstGeom>
+          <a:noFill/>
+        </p:spPr>
+        <p:txBody>
+          <a:bodyPr wrap="square" rtlCol="0">
+            <a:spAutoFit/>
+          </a:bodyPr>
+          <a:lstStyle/>
+          <a:p>
+            <a:pPr algn="ctr"/>
+            <a:r>
+              <a:rPr lang="en-US" b="1" dirty="0">
+                <a:latin typeface="Copperplate" panose="02000504000000020004" pitchFamily="2" charset="77"/>
+              </a:rPr>
+              <a:t> </a:t>
+            </a:r>
+            <a:r>
+              <a:rPr lang="en-US" b="1" dirty="0">
+                <a:solidFill>
+                  <a:schemeClr val="bg1">
+                    <a:lumMod val="95000"/>
+                  </a:schemeClr>
+                </a:solidFill>
+                <a:latin typeface="Copperplate" panose="02000504000000020004" pitchFamily="2" charset="77"/>
+              </a:rPr>
+              <a:t>Poison Remnant</a:t>
+            </a:r>
+          </a:p>
+          <a:p>
+            <a:pPr algn="ctr"/>
+            <a:endParaRPr lang="en-US" dirty="0"/>
+          </a:p>
+        </p:txBody>
+      </p:sp>
+    </p:spTree>
+    <p:extLst>
+      <p:ext uri="{BB962C8B-B14F-4D97-AF65-F5344CB8AC3E}">
+        <p14:creationId xmlns:p14="http://schemas.microsoft.com/office/powerpoint/2010/main" val="1218230518"/>
+      </p:ext>
+    </p:extLst>
+  </p:cSld>
+  <p:clrMapOvr>
+    <a:masterClrMapping/>
+  </p:clrMapOvr>
+</p:sld>
+</file>
+
+<file path=ppt/slides/slide7.xml><?xml version="1.0" encoding="utf-8"?>
+<p:sld xmlns:a="http://schemas.openxmlformats.org/drawingml/2006/main" xmlns:r="http://schemas.openxmlformats.org/officeDocument/2006/relationships" xmlns:p="http://schemas.openxmlformats.org/presentationml/2006/main">
+  <p:cSld>
+    <p:bg>
+      <p:bgPr>
+        <a:solidFill>
+          <a:schemeClr val="bg2">
+            <a:lumMod val="50000"/>
+          </a:schemeClr>
+        </a:solidFill>
+        <a:effectLst/>
+      </p:bgPr>
+    </p:bg>
+    <p:spTree>
+      <p:nvGrpSpPr>
+        <p:cNvPr id="1" name=""/>
+        <p:cNvGrpSpPr/>
+        <p:nvPr/>
+      </p:nvGrpSpPr>
+      <p:grpSpPr>
+        <a:xfrm>
+          <a:off x="0" y="0"/>
+          <a:ext cx="0" cy="0"/>
+          <a:chOff x="0" y="0"/>
+          <a:chExt cx="0" cy="0"/>
+        </a:xfrm>
+      </p:grpSpPr>
+      <p:pic>
+        <p:nvPicPr>
+          <p:cNvPr id="5" name="Picture 4" descr="A picture containing indoor&#10;&#10;Description automatically generated">
+            <a:extLst>
+              <a:ext uri="{FF2B5EF4-FFF2-40B4-BE49-F238E27FC236}">
+                <a16:creationId xmlns:a16="http://schemas.microsoft.com/office/drawing/2014/main" id="{834D9A81-EA48-E890-111D-13C466E1050B}"/>
+              </a:ext>
+            </a:extLst>
+          </p:cNvPr>
+          <p:cNvPicPr>
+            <a:picLocks noChangeAspect="1"/>
+          </p:cNvPicPr>
+          <p:nvPr/>
+        </p:nvPicPr>
+        <p:blipFill>
+          <a:blip r:embed="rId2">
+            <a:alphaModFix amt="20000"/>
+          </a:blip>
+          <a:stretch>
+            <a:fillRect/>
+          </a:stretch>
+        </p:blipFill>
+        <p:spPr>
+          <a:xfrm>
+            <a:off x="1532238" y="-86497"/>
+            <a:ext cx="9156357" cy="7080421"/>
+          </a:xfrm>
+          <a:prstGeom prst="rect">
+            <a:avLst/>
+          </a:prstGeom>
+        </p:spPr>
+      </p:pic>
+      <p:sp>
+        <p:nvSpPr>
+          <p:cNvPr id="2" name="Title 1">
+            <a:extLst>
+              <a:ext uri="{FF2B5EF4-FFF2-40B4-BE49-F238E27FC236}">
+                <a16:creationId xmlns:a16="http://schemas.microsoft.com/office/drawing/2014/main" id="{D87C433E-5CD1-7179-AF6C-C94CF28E9DEA}"/>
+              </a:ext>
+            </a:extLst>
+          </p:cNvPr>
+          <p:cNvSpPr>
+            <a:spLocks noGrp="1"/>
+          </p:cNvSpPr>
+          <p:nvPr>
+            <p:ph type="ctrTitle"/>
+          </p:nvPr>
+        </p:nvSpPr>
+        <p:spPr>
+          <a:xfrm>
+            <a:off x="0" y="0"/>
+            <a:ext cx="1666101" cy="6858000"/>
+          </a:xfrm>
+        </p:spPr>
+        <p:txBody>
+          <a:bodyPr vert="wordArtVert" anchor="ctr" anchorCtr="0">
+            <a:normAutofit/>
+          </a:bodyPr>
+          <a:lstStyle/>
+          <a:p>
+            <a:r>
+              <a:rPr lang="en-US" dirty="0">
+                <a:solidFill>
+                  <a:srgbClr val="C00000"/>
+                </a:solidFill>
+                <a:latin typeface="Copperplate" panose="02000504000000020004" pitchFamily="2" charset="77"/>
+              </a:rPr>
+              <a:t>POISON</a:t>
+            </a:r>
+          </a:p>
+        </p:txBody>
+      </p:sp>
+      <p:sp>
+        <p:nvSpPr>
+          <p:cNvPr id="3" name="Subtitle 2">
+            <a:extLst>
+              <a:ext uri="{FF2B5EF4-FFF2-40B4-BE49-F238E27FC236}">
+                <a16:creationId xmlns:a16="http://schemas.microsoft.com/office/drawing/2014/main" id="{CBC5AC38-4118-0B29-4DD7-E601F99B10A9}"/>
+              </a:ext>
+            </a:extLst>
+          </p:cNvPr>
+          <p:cNvSpPr>
+            <a:spLocks noGrp="1"/>
+          </p:cNvSpPr>
+          <p:nvPr>
+            <p:ph type="subTitle" idx="1"/>
+          </p:nvPr>
+        </p:nvSpPr>
+        <p:spPr>
+          <a:xfrm>
+            <a:off x="10525896" y="0"/>
+            <a:ext cx="1666104" cy="6858000"/>
+          </a:xfrm>
+        </p:spPr>
+        <p:txBody>
+          <a:bodyPr vert="wordArtVert" anchor="ctr" anchorCtr="0">
+            <a:noAutofit/>
+          </a:bodyPr>
+          <a:lstStyle/>
+          <a:p>
+            <a:r>
+              <a:rPr lang="en-US" sz="6000" dirty="0">
+                <a:solidFill>
+                  <a:srgbClr val="C00000"/>
+                </a:solidFill>
+                <a:latin typeface="Copperplate" panose="02000504000000020004" pitchFamily="2" charset="77"/>
+              </a:rPr>
+              <a:t>REMNANT</a:t>
+            </a:r>
+          </a:p>
+        </p:txBody>
+      </p:sp>
+      <p:sp>
+        <p:nvSpPr>
+          <p:cNvPr id="7" name="TextBox 6">
+            <a:extLst>
+              <a:ext uri="{FF2B5EF4-FFF2-40B4-BE49-F238E27FC236}">
+                <a16:creationId xmlns:a16="http://schemas.microsoft.com/office/drawing/2014/main" id="{97A9065F-BAFF-C59B-7BA8-B9E4DF3F0ED4}"/>
+              </a:ext>
+            </a:extLst>
+          </p:cNvPr>
+          <p:cNvSpPr txBox="1"/>
+          <p:nvPr/>
+        </p:nvSpPr>
+        <p:spPr>
+          <a:xfrm>
+            <a:off x="3301310" y="766120"/>
+            <a:ext cx="5585254" cy="646331"/>
+          </a:xfrm>
+          <a:prstGeom prst="rect">
+            <a:avLst/>
+          </a:prstGeom>
+          <a:noFill/>
+        </p:spPr>
+        <p:txBody>
+          <a:bodyPr wrap="square" rtlCol="0">
+            <a:spAutoFit/>
+          </a:bodyPr>
+          <a:lstStyle/>
+          <a:p>
+            <a:pPr algn="ctr"/>
+            <a:r>
+              <a:rPr lang="en-US" sz="3600" dirty="0">
+                <a:latin typeface="Copperplate" panose="02000504000000020004" pitchFamily="2" charset="77"/>
+              </a:rPr>
+              <a:t>Review</a:t>
+            </a:r>
+            <a:endParaRPr lang="en-US" sz="3600" b="1" dirty="0">
+              <a:latin typeface="Copperplate" panose="02000504000000020004" pitchFamily="2" charset="77"/>
+            </a:endParaRPr>
+          </a:p>
+        </p:txBody>
+      </p:sp>
+      <p:sp>
+        <p:nvSpPr>
+          <p:cNvPr id="9" name="TextBox 8">
+            <a:extLst>
+              <a:ext uri="{FF2B5EF4-FFF2-40B4-BE49-F238E27FC236}">
+                <a16:creationId xmlns:a16="http://schemas.microsoft.com/office/drawing/2014/main" id="{D79BB699-8A5B-1FBA-D030-8D19E0D28BBF}"/>
+              </a:ext>
+            </a:extLst>
+          </p:cNvPr>
+          <p:cNvSpPr txBox="1"/>
+          <p:nvPr/>
+        </p:nvSpPr>
+        <p:spPr>
+          <a:xfrm>
+            <a:off x="4744995" y="1643283"/>
+            <a:ext cx="2817340" cy="2031325"/>
+          </a:xfrm>
+          <a:prstGeom prst="rect">
+            <a:avLst/>
+          </a:prstGeom>
+          <a:noFill/>
+        </p:spPr>
+        <p:txBody>
+          <a:bodyPr wrap="square" rtlCol="0">
+            <a:spAutoFit/>
+          </a:bodyPr>
+          <a:lstStyle/>
+          <a:p>
+            <a:pPr algn="ctr"/>
+            <a:r>
+              <a:rPr lang="en-US" b="1" dirty="0">
+                <a:latin typeface="Copperplate" panose="02000504000000020004" pitchFamily="2" charset="77"/>
+              </a:rPr>
+              <a:t> </a:t>
+            </a:r>
+            <a:r>
+              <a:rPr lang="en-US" dirty="0">
+                <a:solidFill>
+                  <a:schemeClr val="bg1">
+                    <a:lumMod val="95000"/>
+                  </a:schemeClr>
+                </a:solidFill>
+                <a:latin typeface="Copperplate" panose="02000504000000020004" pitchFamily="2" charset="77"/>
+              </a:rPr>
+              <a:t>Methodologies</a:t>
+            </a:r>
+          </a:p>
+          <a:p>
+            <a:pPr algn="ctr"/>
+            <a:r>
+              <a:rPr lang="en-US" dirty="0">
+                <a:solidFill>
+                  <a:schemeClr val="bg1">
+                    <a:lumMod val="95000"/>
+                  </a:schemeClr>
+                </a:solidFill>
+                <a:latin typeface="Copperplate" panose="02000504000000020004" pitchFamily="2" charset="77"/>
+              </a:rPr>
+              <a:t>Application Demonstration</a:t>
+            </a:r>
+          </a:p>
+          <a:p>
+            <a:pPr algn="ctr"/>
+            <a:r>
+              <a:rPr lang="en-US" dirty="0">
+                <a:solidFill>
+                  <a:schemeClr val="bg1">
+                    <a:lumMod val="95000"/>
+                  </a:schemeClr>
+                </a:solidFill>
+                <a:latin typeface="Copperplate" panose="02000504000000020004" pitchFamily="2" charset="77"/>
+              </a:rPr>
+              <a:t>Remaining Challenges</a:t>
+            </a:r>
+          </a:p>
+          <a:p>
+            <a:pPr algn="ctr"/>
+            <a:r>
+              <a:rPr lang="en-US" dirty="0">
+                <a:solidFill>
+                  <a:schemeClr val="bg1">
+                    <a:lumMod val="95000"/>
+                  </a:schemeClr>
+                </a:solidFill>
+                <a:latin typeface="Copperplate" panose="02000504000000020004" pitchFamily="2" charset="77"/>
+              </a:rPr>
+              <a:t> Lessons Learned</a:t>
+            </a:r>
+          </a:p>
+          <a:p>
+            <a:pPr algn="ctr"/>
+            <a:endParaRPr lang="en-US" b="1" dirty="0">
+              <a:solidFill>
+                <a:schemeClr val="bg1">
+                  <a:lumMod val="95000"/>
+                </a:schemeClr>
+              </a:solidFill>
+              <a:latin typeface="Copperplate" panose="02000504000000020004" pitchFamily="2" charset="77"/>
+            </a:endParaRPr>
+          </a:p>
+          <a:p>
+            <a:pPr algn="ctr"/>
+            <a:endParaRPr lang="en-US" dirty="0"/>
+          </a:p>
+        </p:txBody>
+      </p:sp>
+    </p:spTree>
+    <p:extLst>
+      <p:ext uri="{BB962C8B-B14F-4D97-AF65-F5344CB8AC3E}">
+        <p14:creationId xmlns:p14="http://schemas.microsoft.com/office/powerpoint/2010/main" val="4236442272"/>
       </p:ext>
     </p:extLst>
   </p:cSld>

--- a/Poison Remnant Presentation.pptx
+++ b/Poison Remnant Presentation.pptx
@@ -8,10 +8,16 @@
     <p:sldId id="256" r:id="rId2"/>
     <p:sldId id="257" r:id="rId3"/>
     <p:sldId id="258" r:id="rId4"/>
-    <p:sldId id="260" r:id="rId5"/>
-    <p:sldId id="259" r:id="rId6"/>
-    <p:sldId id="261" r:id="rId7"/>
-    <p:sldId id="262" r:id="rId8"/>
+    <p:sldId id="266" r:id="rId5"/>
+    <p:sldId id="263" r:id="rId6"/>
+    <p:sldId id="265" r:id="rId7"/>
+    <p:sldId id="264" r:id="rId8"/>
+    <p:sldId id="260" r:id="rId9"/>
+    <p:sldId id="259" r:id="rId10"/>
+    <p:sldId id="267" r:id="rId11"/>
+    <p:sldId id="261" r:id="rId12"/>
+    <p:sldId id="262" r:id="rId13"/>
+    <p:sldId id="268" r:id="rId14"/>
   </p:sldIdLst>
   <p:sldSz cx="12192000" cy="6858000"/>
   <p:notesSz cx="6858000" cy="9144000"/>
@@ -3457,6 +3463,965 @@
   <p:clrMapOvr>
     <a:masterClrMapping/>
   </p:clrMapOvr>
+  <p:transition spd="slow">
+    <p:wipe/>
+  </p:transition>
+</p:sld>
+</file>
+
+<file path=ppt/slides/slide10.xml><?xml version="1.0" encoding="utf-8"?>
+<p:sld xmlns:a="http://schemas.openxmlformats.org/drawingml/2006/main" xmlns:r="http://schemas.openxmlformats.org/officeDocument/2006/relationships" xmlns:p="http://schemas.openxmlformats.org/presentationml/2006/main">
+  <p:cSld>
+    <p:bg>
+      <p:bgPr>
+        <a:solidFill>
+          <a:schemeClr val="bg2">
+            <a:lumMod val="50000"/>
+          </a:schemeClr>
+        </a:solidFill>
+        <a:effectLst/>
+      </p:bgPr>
+    </p:bg>
+    <p:spTree>
+      <p:nvGrpSpPr>
+        <p:cNvPr id="1" name=""/>
+        <p:cNvGrpSpPr/>
+        <p:nvPr/>
+      </p:nvGrpSpPr>
+      <p:grpSpPr>
+        <a:xfrm>
+          <a:off x="0" y="0"/>
+          <a:ext cx="0" cy="0"/>
+          <a:chOff x="0" y="0"/>
+          <a:chExt cx="0" cy="0"/>
+        </a:xfrm>
+      </p:grpSpPr>
+      <p:sp>
+        <p:nvSpPr>
+          <p:cNvPr id="2" name="Title 1">
+            <a:extLst>
+              <a:ext uri="{FF2B5EF4-FFF2-40B4-BE49-F238E27FC236}">
+                <a16:creationId xmlns:a16="http://schemas.microsoft.com/office/drawing/2014/main" id="{D87C433E-5CD1-7179-AF6C-C94CF28E9DEA}"/>
+              </a:ext>
+            </a:extLst>
+          </p:cNvPr>
+          <p:cNvSpPr>
+            <a:spLocks noGrp="1"/>
+          </p:cNvSpPr>
+          <p:nvPr>
+            <p:ph type="ctrTitle"/>
+          </p:nvPr>
+        </p:nvSpPr>
+        <p:spPr>
+          <a:xfrm>
+            <a:off x="0" y="0"/>
+            <a:ext cx="1666101" cy="6858000"/>
+          </a:xfrm>
+        </p:spPr>
+        <p:txBody>
+          <a:bodyPr vert="wordArtVert" anchor="ctr" anchorCtr="0">
+            <a:normAutofit/>
+          </a:bodyPr>
+          <a:lstStyle/>
+          <a:p>
+            <a:r>
+              <a:rPr lang="en-US">
+                <a:solidFill>
+                  <a:srgbClr val="C00000"/>
+                </a:solidFill>
+                <a:latin typeface="Copperplate" panose="02000504000000020004" pitchFamily="2" charset="77"/>
+              </a:rPr>
+              <a:t>POISON</a:t>
+            </a:r>
+            <a:endParaRPr lang="en-US" dirty="0">
+              <a:solidFill>
+                <a:srgbClr val="C00000"/>
+              </a:solidFill>
+              <a:latin typeface="Copperplate" panose="02000504000000020004" pitchFamily="2" charset="77"/>
+            </a:endParaRPr>
+          </a:p>
+        </p:txBody>
+      </p:sp>
+      <p:sp>
+        <p:nvSpPr>
+          <p:cNvPr id="3" name="Subtitle 2">
+            <a:extLst>
+              <a:ext uri="{FF2B5EF4-FFF2-40B4-BE49-F238E27FC236}">
+                <a16:creationId xmlns:a16="http://schemas.microsoft.com/office/drawing/2014/main" id="{CBC5AC38-4118-0B29-4DD7-E601F99B10A9}"/>
+              </a:ext>
+            </a:extLst>
+          </p:cNvPr>
+          <p:cNvSpPr>
+            <a:spLocks noGrp="1"/>
+          </p:cNvSpPr>
+          <p:nvPr>
+            <p:ph type="subTitle" idx="1"/>
+          </p:nvPr>
+        </p:nvSpPr>
+        <p:spPr>
+          <a:xfrm>
+            <a:off x="10525896" y="0"/>
+            <a:ext cx="1666104" cy="6858000"/>
+          </a:xfrm>
+        </p:spPr>
+        <p:txBody>
+          <a:bodyPr vert="wordArtVert" anchor="ctr" anchorCtr="0">
+            <a:noAutofit/>
+          </a:bodyPr>
+          <a:lstStyle/>
+          <a:p>
+            <a:r>
+              <a:rPr lang="en-US" sz="6000">
+                <a:solidFill>
+                  <a:srgbClr val="C00000"/>
+                </a:solidFill>
+                <a:latin typeface="Copperplate" panose="02000504000000020004" pitchFamily="2" charset="77"/>
+              </a:rPr>
+              <a:t>REMNANT</a:t>
+            </a:r>
+            <a:endParaRPr lang="en-US" sz="6000" dirty="0">
+              <a:solidFill>
+                <a:srgbClr val="C00000"/>
+              </a:solidFill>
+              <a:latin typeface="Copperplate" panose="02000504000000020004" pitchFamily="2" charset="77"/>
+            </a:endParaRPr>
+          </a:p>
+        </p:txBody>
+      </p:sp>
+      <p:pic>
+        <p:nvPicPr>
+          <p:cNvPr id="6" name="Picture 5">
+            <a:extLst>
+              <a:ext uri="{FF2B5EF4-FFF2-40B4-BE49-F238E27FC236}">
+                <a16:creationId xmlns:a16="http://schemas.microsoft.com/office/drawing/2014/main" id="{79C86BAD-7155-9610-B249-478A01DE3B80}"/>
+              </a:ext>
+            </a:extLst>
+          </p:cNvPr>
+          <p:cNvPicPr>
+            <a:picLocks noChangeAspect="1"/>
+          </p:cNvPicPr>
+          <p:nvPr/>
+        </p:nvPicPr>
+        <p:blipFill>
+          <a:blip r:embed="rId2"/>
+          <a:stretch>
+            <a:fillRect/>
+          </a:stretch>
+        </p:blipFill>
+        <p:spPr>
+          <a:xfrm>
+            <a:off x="1989656" y="205806"/>
+            <a:ext cx="8212685" cy="6446387"/>
+          </a:xfrm>
+          <a:prstGeom prst="rect">
+            <a:avLst/>
+          </a:prstGeom>
+        </p:spPr>
+      </p:pic>
+    </p:spTree>
+    <p:extLst>
+      <p:ext uri="{BB962C8B-B14F-4D97-AF65-F5344CB8AC3E}">
+        <p14:creationId xmlns:p14="http://schemas.microsoft.com/office/powerpoint/2010/main" val="3955649669"/>
+      </p:ext>
+    </p:extLst>
+  </p:cSld>
+  <p:clrMapOvr>
+    <a:masterClrMapping/>
+  </p:clrMapOvr>
+  <p:transition spd="slow">
+    <p:wipe/>
+  </p:transition>
+</p:sld>
+</file>
+
+<file path=ppt/slides/slide11.xml><?xml version="1.0" encoding="utf-8"?>
+<p:sld xmlns:a="http://schemas.openxmlformats.org/drawingml/2006/main" xmlns:r="http://schemas.openxmlformats.org/officeDocument/2006/relationships" xmlns:p="http://schemas.openxmlformats.org/presentationml/2006/main">
+  <p:cSld>
+    <p:bg>
+      <p:bgPr>
+        <a:solidFill>
+          <a:schemeClr val="bg2">
+            <a:lumMod val="50000"/>
+          </a:schemeClr>
+        </a:solidFill>
+        <a:effectLst/>
+      </p:bgPr>
+    </p:bg>
+    <p:spTree>
+      <p:nvGrpSpPr>
+        <p:cNvPr id="1" name=""/>
+        <p:cNvGrpSpPr/>
+        <p:nvPr/>
+      </p:nvGrpSpPr>
+      <p:grpSpPr>
+        <a:xfrm>
+          <a:off x="0" y="0"/>
+          <a:ext cx="0" cy="0"/>
+          <a:chOff x="0" y="0"/>
+          <a:chExt cx="0" cy="0"/>
+        </a:xfrm>
+      </p:grpSpPr>
+      <p:pic>
+        <p:nvPicPr>
+          <p:cNvPr id="5" name="Picture 4" descr="A picture containing indoor&#10;&#10;Description automatically generated">
+            <a:extLst>
+              <a:ext uri="{FF2B5EF4-FFF2-40B4-BE49-F238E27FC236}">
+                <a16:creationId xmlns:a16="http://schemas.microsoft.com/office/drawing/2014/main" id="{834D9A81-EA48-E890-111D-13C466E1050B}"/>
+              </a:ext>
+            </a:extLst>
+          </p:cNvPr>
+          <p:cNvPicPr>
+            <a:picLocks noChangeAspect="1"/>
+          </p:cNvPicPr>
+          <p:nvPr/>
+        </p:nvPicPr>
+        <p:blipFill>
+          <a:blip r:embed="rId2">
+            <a:alphaModFix amt="20000"/>
+          </a:blip>
+          <a:stretch>
+            <a:fillRect/>
+          </a:stretch>
+        </p:blipFill>
+        <p:spPr>
+          <a:xfrm>
+            <a:off x="1532238" y="-86497"/>
+            <a:ext cx="9156357" cy="7080421"/>
+          </a:xfrm>
+          <a:prstGeom prst="rect">
+            <a:avLst/>
+          </a:prstGeom>
+        </p:spPr>
+      </p:pic>
+      <p:sp>
+        <p:nvSpPr>
+          <p:cNvPr id="2" name="Title 1">
+            <a:extLst>
+              <a:ext uri="{FF2B5EF4-FFF2-40B4-BE49-F238E27FC236}">
+                <a16:creationId xmlns:a16="http://schemas.microsoft.com/office/drawing/2014/main" id="{D87C433E-5CD1-7179-AF6C-C94CF28E9DEA}"/>
+              </a:ext>
+            </a:extLst>
+          </p:cNvPr>
+          <p:cNvSpPr>
+            <a:spLocks noGrp="1"/>
+          </p:cNvSpPr>
+          <p:nvPr>
+            <p:ph type="ctrTitle"/>
+          </p:nvPr>
+        </p:nvSpPr>
+        <p:spPr>
+          <a:xfrm>
+            <a:off x="0" y="0"/>
+            <a:ext cx="1666101" cy="6858000"/>
+          </a:xfrm>
+        </p:spPr>
+        <p:txBody>
+          <a:bodyPr vert="wordArtVert" anchor="ctr" anchorCtr="0">
+            <a:normAutofit/>
+          </a:bodyPr>
+          <a:lstStyle/>
+          <a:p>
+            <a:r>
+              <a:rPr lang="en-US" dirty="0">
+                <a:solidFill>
+                  <a:srgbClr val="C00000"/>
+                </a:solidFill>
+                <a:latin typeface="Copperplate" panose="02000504000000020004" pitchFamily="2" charset="77"/>
+              </a:rPr>
+              <a:t>POISON</a:t>
+            </a:r>
+          </a:p>
+        </p:txBody>
+      </p:sp>
+      <p:sp>
+        <p:nvSpPr>
+          <p:cNvPr id="3" name="Subtitle 2">
+            <a:extLst>
+              <a:ext uri="{FF2B5EF4-FFF2-40B4-BE49-F238E27FC236}">
+                <a16:creationId xmlns:a16="http://schemas.microsoft.com/office/drawing/2014/main" id="{CBC5AC38-4118-0B29-4DD7-E601F99B10A9}"/>
+              </a:ext>
+            </a:extLst>
+          </p:cNvPr>
+          <p:cNvSpPr>
+            <a:spLocks noGrp="1"/>
+          </p:cNvSpPr>
+          <p:nvPr>
+            <p:ph type="subTitle" idx="1"/>
+          </p:nvPr>
+        </p:nvSpPr>
+        <p:spPr>
+          <a:xfrm>
+            <a:off x="10525896" y="0"/>
+            <a:ext cx="1666104" cy="6858000"/>
+          </a:xfrm>
+        </p:spPr>
+        <p:txBody>
+          <a:bodyPr vert="wordArtVert" anchor="ctr" anchorCtr="0">
+            <a:noAutofit/>
+          </a:bodyPr>
+          <a:lstStyle/>
+          <a:p>
+            <a:r>
+              <a:rPr lang="en-US" sz="6000" dirty="0">
+                <a:solidFill>
+                  <a:srgbClr val="C00000"/>
+                </a:solidFill>
+                <a:latin typeface="Copperplate" panose="02000504000000020004" pitchFamily="2" charset="77"/>
+              </a:rPr>
+              <a:t>REMNANT</a:t>
+            </a:r>
+          </a:p>
+        </p:txBody>
+      </p:sp>
+      <p:sp>
+        <p:nvSpPr>
+          <p:cNvPr id="7" name="TextBox 6">
+            <a:extLst>
+              <a:ext uri="{FF2B5EF4-FFF2-40B4-BE49-F238E27FC236}">
+                <a16:creationId xmlns:a16="http://schemas.microsoft.com/office/drawing/2014/main" id="{97A9065F-BAFF-C59B-7BA8-B9E4DF3F0ED4}"/>
+              </a:ext>
+            </a:extLst>
+          </p:cNvPr>
+          <p:cNvSpPr txBox="1"/>
+          <p:nvPr/>
+        </p:nvSpPr>
+        <p:spPr>
+          <a:xfrm>
+            <a:off x="3301310" y="766120"/>
+            <a:ext cx="5585254" cy="646331"/>
+          </a:xfrm>
+          <a:prstGeom prst="rect">
+            <a:avLst/>
+          </a:prstGeom>
+          <a:noFill/>
+        </p:spPr>
+        <p:txBody>
+          <a:bodyPr wrap="square" rtlCol="0">
+            <a:spAutoFit/>
+          </a:bodyPr>
+          <a:lstStyle/>
+          <a:p>
+            <a:pPr algn="ctr"/>
+            <a:r>
+              <a:rPr lang="en-US" sz="3600" dirty="0">
+                <a:latin typeface="Copperplate" panose="02000504000000020004" pitchFamily="2" charset="77"/>
+              </a:rPr>
+              <a:t>Lessons Learned</a:t>
+            </a:r>
+            <a:endParaRPr lang="en-US" sz="3600" b="1" dirty="0">
+              <a:latin typeface="Copperplate" panose="02000504000000020004" pitchFamily="2" charset="77"/>
+            </a:endParaRPr>
+          </a:p>
+        </p:txBody>
+      </p:sp>
+      <p:sp>
+        <p:nvSpPr>
+          <p:cNvPr id="9" name="TextBox 8">
+            <a:extLst>
+              <a:ext uri="{FF2B5EF4-FFF2-40B4-BE49-F238E27FC236}">
+                <a16:creationId xmlns:a16="http://schemas.microsoft.com/office/drawing/2014/main" id="{D79BB699-8A5B-1FBA-D030-8D19E0D28BBF}"/>
+              </a:ext>
+            </a:extLst>
+          </p:cNvPr>
+          <p:cNvSpPr txBox="1"/>
+          <p:nvPr/>
+        </p:nvSpPr>
+        <p:spPr>
+          <a:xfrm>
+            <a:off x="4744995" y="1643283"/>
+            <a:ext cx="2817340" cy="646331"/>
+          </a:xfrm>
+          <a:prstGeom prst="rect">
+            <a:avLst/>
+          </a:prstGeom>
+          <a:noFill/>
+        </p:spPr>
+        <p:txBody>
+          <a:bodyPr wrap="square" rtlCol="0">
+            <a:spAutoFit/>
+          </a:bodyPr>
+          <a:lstStyle/>
+          <a:p>
+            <a:pPr algn="ctr"/>
+            <a:r>
+              <a:rPr lang="en-US" b="1" dirty="0">
+                <a:latin typeface="Copperplate" panose="02000504000000020004" pitchFamily="2" charset="77"/>
+              </a:rPr>
+              <a:t> </a:t>
+            </a:r>
+            <a:r>
+              <a:rPr lang="en-US" b="1" dirty="0">
+                <a:solidFill>
+                  <a:schemeClr val="bg1">
+                    <a:lumMod val="95000"/>
+                  </a:schemeClr>
+                </a:solidFill>
+                <a:latin typeface="Copperplate" panose="02000504000000020004" pitchFamily="2" charset="77"/>
+              </a:rPr>
+              <a:t>Poison Remnant</a:t>
+            </a:r>
+          </a:p>
+          <a:p>
+            <a:pPr algn="ctr"/>
+            <a:endParaRPr lang="en-US" dirty="0"/>
+          </a:p>
+        </p:txBody>
+      </p:sp>
+    </p:spTree>
+    <p:extLst>
+      <p:ext uri="{BB962C8B-B14F-4D97-AF65-F5344CB8AC3E}">
+        <p14:creationId xmlns:p14="http://schemas.microsoft.com/office/powerpoint/2010/main" val="1218230518"/>
+      </p:ext>
+    </p:extLst>
+  </p:cSld>
+  <p:clrMapOvr>
+    <a:masterClrMapping/>
+  </p:clrMapOvr>
+  <p:transition spd="slow">
+    <p:wipe/>
+  </p:transition>
+</p:sld>
+</file>
+
+<file path=ppt/slides/slide12.xml><?xml version="1.0" encoding="utf-8"?>
+<p:sld xmlns:a="http://schemas.openxmlformats.org/drawingml/2006/main" xmlns:r="http://schemas.openxmlformats.org/officeDocument/2006/relationships" xmlns:p="http://schemas.openxmlformats.org/presentationml/2006/main">
+  <p:cSld>
+    <p:bg>
+      <p:bgPr>
+        <a:solidFill>
+          <a:schemeClr val="bg2">
+            <a:lumMod val="50000"/>
+          </a:schemeClr>
+        </a:solidFill>
+        <a:effectLst/>
+      </p:bgPr>
+    </p:bg>
+    <p:spTree>
+      <p:nvGrpSpPr>
+        <p:cNvPr id="1" name=""/>
+        <p:cNvGrpSpPr/>
+        <p:nvPr/>
+      </p:nvGrpSpPr>
+      <p:grpSpPr>
+        <a:xfrm>
+          <a:off x="0" y="0"/>
+          <a:ext cx="0" cy="0"/>
+          <a:chOff x="0" y="0"/>
+          <a:chExt cx="0" cy="0"/>
+        </a:xfrm>
+      </p:grpSpPr>
+      <p:pic>
+        <p:nvPicPr>
+          <p:cNvPr id="5" name="Picture 4" descr="A picture containing indoor&#10;&#10;Description automatically generated">
+            <a:extLst>
+              <a:ext uri="{FF2B5EF4-FFF2-40B4-BE49-F238E27FC236}">
+                <a16:creationId xmlns:a16="http://schemas.microsoft.com/office/drawing/2014/main" id="{834D9A81-EA48-E890-111D-13C466E1050B}"/>
+              </a:ext>
+            </a:extLst>
+          </p:cNvPr>
+          <p:cNvPicPr>
+            <a:picLocks noChangeAspect="1"/>
+          </p:cNvPicPr>
+          <p:nvPr/>
+        </p:nvPicPr>
+        <p:blipFill>
+          <a:blip r:embed="rId2">
+            <a:alphaModFix amt="20000"/>
+          </a:blip>
+          <a:stretch>
+            <a:fillRect/>
+          </a:stretch>
+        </p:blipFill>
+        <p:spPr>
+          <a:xfrm>
+            <a:off x="1532238" y="-86497"/>
+            <a:ext cx="9156357" cy="7080421"/>
+          </a:xfrm>
+          <a:prstGeom prst="rect">
+            <a:avLst/>
+          </a:prstGeom>
+        </p:spPr>
+      </p:pic>
+      <p:sp>
+        <p:nvSpPr>
+          <p:cNvPr id="2" name="Title 1">
+            <a:extLst>
+              <a:ext uri="{FF2B5EF4-FFF2-40B4-BE49-F238E27FC236}">
+                <a16:creationId xmlns:a16="http://schemas.microsoft.com/office/drawing/2014/main" id="{D87C433E-5CD1-7179-AF6C-C94CF28E9DEA}"/>
+              </a:ext>
+            </a:extLst>
+          </p:cNvPr>
+          <p:cNvSpPr>
+            <a:spLocks noGrp="1"/>
+          </p:cNvSpPr>
+          <p:nvPr>
+            <p:ph type="ctrTitle"/>
+          </p:nvPr>
+        </p:nvSpPr>
+        <p:spPr>
+          <a:xfrm>
+            <a:off x="0" y="0"/>
+            <a:ext cx="1666101" cy="6858000"/>
+          </a:xfrm>
+        </p:spPr>
+        <p:txBody>
+          <a:bodyPr vert="wordArtVert" anchor="ctr" anchorCtr="0">
+            <a:normAutofit/>
+          </a:bodyPr>
+          <a:lstStyle/>
+          <a:p>
+            <a:r>
+              <a:rPr lang="en-US" dirty="0">
+                <a:solidFill>
+                  <a:srgbClr val="C00000"/>
+                </a:solidFill>
+                <a:latin typeface="Copperplate" panose="02000504000000020004" pitchFamily="2" charset="77"/>
+              </a:rPr>
+              <a:t>POISON</a:t>
+            </a:r>
+          </a:p>
+        </p:txBody>
+      </p:sp>
+      <p:sp>
+        <p:nvSpPr>
+          <p:cNvPr id="3" name="Subtitle 2">
+            <a:extLst>
+              <a:ext uri="{FF2B5EF4-FFF2-40B4-BE49-F238E27FC236}">
+                <a16:creationId xmlns:a16="http://schemas.microsoft.com/office/drawing/2014/main" id="{CBC5AC38-4118-0B29-4DD7-E601F99B10A9}"/>
+              </a:ext>
+            </a:extLst>
+          </p:cNvPr>
+          <p:cNvSpPr>
+            <a:spLocks noGrp="1"/>
+          </p:cNvSpPr>
+          <p:nvPr>
+            <p:ph type="subTitle" idx="1"/>
+          </p:nvPr>
+        </p:nvSpPr>
+        <p:spPr>
+          <a:xfrm>
+            <a:off x="10525896" y="0"/>
+            <a:ext cx="1666104" cy="6858000"/>
+          </a:xfrm>
+        </p:spPr>
+        <p:txBody>
+          <a:bodyPr vert="wordArtVert" anchor="ctr" anchorCtr="0">
+            <a:noAutofit/>
+          </a:bodyPr>
+          <a:lstStyle/>
+          <a:p>
+            <a:r>
+              <a:rPr lang="en-US" sz="6000" dirty="0">
+                <a:solidFill>
+                  <a:srgbClr val="C00000"/>
+                </a:solidFill>
+                <a:latin typeface="Copperplate" panose="02000504000000020004" pitchFamily="2" charset="77"/>
+              </a:rPr>
+              <a:t>REMNANT</a:t>
+            </a:r>
+          </a:p>
+        </p:txBody>
+      </p:sp>
+      <p:sp>
+        <p:nvSpPr>
+          <p:cNvPr id="7" name="TextBox 6">
+            <a:extLst>
+              <a:ext uri="{FF2B5EF4-FFF2-40B4-BE49-F238E27FC236}">
+                <a16:creationId xmlns:a16="http://schemas.microsoft.com/office/drawing/2014/main" id="{97A9065F-BAFF-C59B-7BA8-B9E4DF3F0ED4}"/>
+              </a:ext>
+            </a:extLst>
+          </p:cNvPr>
+          <p:cNvSpPr txBox="1"/>
+          <p:nvPr/>
+        </p:nvSpPr>
+        <p:spPr>
+          <a:xfrm>
+            <a:off x="3301310" y="766120"/>
+            <a:ext cx="5585254" cy="646331"/>
+          </a:xfrm>
+          <a:prstGeom prst="rect">
+            <a:avLst/>
+          </a:prstGeom>
+          <a:noFill/>
+        </p:spPr>
+        <p:txBody>
+          <a:bodyPr wrap="square" rtlCol="0">
+            <a:spAutoFit/>
+          </a:bodyPr>
+          <a:lstStyle/>
+          <a:p>
+            <a:pPr algn="ctr"/>
+            <a:r>
+              <a:rPr lang="en-US" sz="3600" dirty="0">
+                <a:latin typeface="Copperplate" panose="02000504000000020004" pitchFamily="2" charset="77"/>
+              </a:rPr>
+              <a:t>Review</a:t>
+            </a:r>
+            <a:endParaRPr lang="en-US" sz="3600" b="1" dirty="0">
+              <a:latin typeface="Copperplate" panose="02000504000000020004" pitchFamily="2" charset="77"/>
+            </a:endParaRPr>
+          </a:p>
+        </p:txBody>
+      </p:sp>
+      <p:sp>
+        <p:nvSpPr>
+          <p:cNvPr id="9" name="TextBox 8">
+            <a:extLst>
+              <a:ext uri="{FF2B5EF4-FFF2-40B4-BE49-F238E27FC236}">
+                <a16:creationId xmlns:a16="http://schemas.microsoft.com/office/drawing/2014/main" id="{D79BB699-8A5B-1FBA-D030-8D19E0D28BBF}"/>
+              </a:ext>
+            </a:extLst>
+          </p:cNvPr>
+          <p:cNvSpPr txBox="1"/>
+          <p:nvPr/>
+        </p:nvSpPr>
+        <p:spPr>
+          <a:xfrm>
+            <a:off x="4744995" y="1643283"/>
+            <a:ext cx="2817340" cy="2031325"/>
+          </a:xfrm>
+          <a:prstGeom prst="rect">
+            <a:avLst/>
+          </a:prstGeom>
+          <a:noFill/>
+        </p:spPr>
+        <p:txBody>
+          <a:bodyPr wrap="square" rtlCol="0">
+            <a:spAutoFit/>
+          </a:bodyPr>
+          <a:lstStyle/>
+          <a:p>
+            <a:pPr algn="ctr"/>
+            <a:r>
+              <a:rPr lang="en-US" b="1" dirty="0">
+                <a:latin typeface="Copperplate" panose="02000504000000020004" pitchFamily="2" charset="77"/>
+              </a:rPr>
+              <a:t> </a:t>
+            </a:r>
+            <a:r>
+              <a:rPr lang="en-US" dirty="0">
+                <a:solidFill>
+                  <a:schemeClr val="bg1">
+                    <a:lumMod val="95000"/>
+                  </a:schemeClr>
+                </a:solidFill>
+                <a:latin typeface="Copperplate" panose="02000504000000020004" pitchFamily="2" charset="77"/>
+              </a:rPr>
+              <a:t>Methodologies</a:t>
+            </a:r>
+          </a:p>
+          <a:p>
+            <a:pPr algn="ctr"/>
+            <a:r>
+              <a:rPr lang="en-US" dirty="0">
+                <a:solidFill>
+                  <a:schemeClr val="bg1">
+                    <a:lumMod val="95000"/>
+                  </a:schemeClr>
+                </a:solidFill>
+                <a:latin typeface="Copperplate" panose="02000504000000020004" pitchFamily="2" charset="77"/>
+              </a:rPr>
+              <a:t>Application Demonstration</a:t>
+            </a:r>
+          </a:p>
+          <a:p>
+            <a:pPr algn="ctr"/>
+            <a:r>
+              <a:rPr lang="en-US" dirty="0">
+                <a:solidFill>
+                  <a:schemeClr val="bg1">
+                    <a:lumMod val="95000"/>
+                  </a:schemeClr>
+                </a:solidFill>
+                <a:latin typeface="Copperplate" panose="02000504000000020004" pitchFamily="2" charset="77"/>
+              </a:rPr>
+              <a:t>Remaining Challenges</a:t>
+            </a:r>
+          </a:p>
+          <a:p>
+            <a:pPr algn="ctr"/>
+            <a:r>
+              <a:rPr lang="en-US" dirty="0">
+                <a:solidFill>
+                  <a:schemeClr val="bg1">
+                    <a:lumMod val="95000"/>
+                  </a:schemeClr>
+                </a:solidFill>
+                <a:latin typeface="Copperplate" panose="02000504000000020004" pitchFamily="2" charset="77"/>
+              </a:rPr>
+              <a:t> Lessons Learned</a:t>
+            </a:r>
+          </a:p>
+          <a:p>
+            <a:pPr algn="ctr"/>
+            <a:endParaRPr lang="en-US" b="1" dirty="0">
+              <a:solidFill>
+                <a:schemeClr val="bg1">
+                  <a:lumMod val="95000"/>
+                </a:schemeClr>
+              </a:solidFill>
+              <a:latin typeface="Copperplate" panose="02000504000000020004" pitchFamily="2" charset="77"/>
+            </a:endParaRPr>
+          </a:p>
+          <a:p>
+            <a:pPr algn="ctr"/>
+            <a:endParaRPr lang="en-US" dirty="0"/>
+          </a:p>
+        </p:txBody>
+      </p:sp>
+    </p:spTree>
+    <p:extLst>
+      <p:ext uri="{BB962C8B-B14F-4D97-AF65-F5344CB8AC3E}">
+        <p14:creationId xmlns:p14="http://schemas.microsoft.com/office/powerpoint/2010/main" val="4236442272"/>
+      </p:ext>
+    </p:extLst>
+  </p:cSld>
+  <p:clrMapOvr>
+    <a:masterClrMapping/>
+  </p:clrMapOvr>
+  <p:transition spd="slow">
+    <p:wipe/>
+  </p:transition>
+</p:sld>
+</file>
+
+<file path=ppt/slides/slide13.xml><?xml version="1.0" encoding="utf-8"?>
+<p:sld xmlns:a="http://schemas.openxmlformats.org/drawingml/2006/main" xmlns:r="http://schemas.openxmlformats.org/officeDocument/2006/relationships" xmlns:p="http://schemas.openxmlformats.org/presentationml/2006/main">
+  <p:cSld>
+    <p:bg>
+      <p:bgPr>
+        <a:solidFill>
+          <a:schemeClr val="bg2">
+            <a:lumMod val="50000"/>
+          </a:schemeClr>
+        </a:solidFill>
+        <a:effectLst/>
+      </p:bgPr>
+    </p:bg>
+    <p:spTree>
+      <p:nvGrpSpPr>
+        <p:cNvPr id="1" name=""/>
+        <p:cNvGrpSpPr/>
+        <p:nvPr/>
+      </p:nvGrpSpPr>
+      <p:grpSpPr>
+        <a:xfrm>
+          <a:off x="0" y="0"/>
+          <a:ext cx="0" cy="0"/>
+          <a:chOff x="0" y="0"/>
+          <a:chExt cx="0" cy="0"/>
+        </a:xfrm>
+      </p:grpSpPr>
+      <p:pic>
+        <p:nvPicPr>
+          <p:cNvPr id="5" name="Picture 4" descr="A picture containing indoor&#10;&#10;Description automatically generated">
+            <a:extLst>
+              <a:ext uri="{FF2B5EF4-FFF2-40B4-BE49-F238E27FC236}">
+                <a16:creationId xmlns:a16="http://schemas.microsoft.com/office/drawing/2014/main" id="{834D9A81-EA48-E890-111D-13C466E1050B}"/>
+              </a:ext>
+            </a:extLst>
+          </p:cNvPr>
+          <p:cNvPicPr>
+            <a:picLocks noChangeAspect="1"/>
+          </p:cNvPicPr>
+          <p:nvPr/>
+        </p:nvPicPr>
+        <p:blipFill>
+          <a:blip r:embed="rId2">
+            <a:alphaModFix amt="20000"/>
+          </a:blip>
+          <a:stretch>
+            <a:fillRect/>
+          </a:stretch>
+        </p:blipFill>
+        <p:spPr>
+          <a:xfrm>
+            <a:off x="1532238" y="-86497"/>
+            <a:ext cx="9156357" cy="7080421"/>
+          </a:xfrm>
+          <a:prstGeom prst="rect">
+            <a:avLst/>
+          </a:prstGeom>
+        </p:spPr>
+      </p:pic>
+      <p:sp>
+        <p:nvSpPr>
+          <p:cNvPr id="2" name="Title 1">
+            <a:extLst>
+              <a:ext uri="{FF2B5EF4-FFF2-40B4-BE49-F238E27FC236}">
+                <a16:creationId xmlns:a16="http://schemas.microsoft.com/office/drawing/2014/main" id="{D87C433E-5CD1-7179-AF6C-C94CF28E9DEA}"/>
+              </a:ext>
+            </a:extLst>
+          </p:cNvPr>
+          <p:cNvSpPr>
+            <a:spLocks noGrp="1"/>
+          </p:cNvSpPr>
+          <p:nvPr>
+            <p:ph type="ctrTitle"/>
+          </p:nvPr>
+        </p:nvSpPr>
+        <p:spPr>
+          <a:xfrm>
+            <a:off x="0" y="0"/>
+            <a:ext cx="1666101" cy="6858000"/>
+          </a:xfrm>
+        </p:spPr>
+        <p:txBody>
+          <a:bodyPr vert="wordArtVert" anchor="ctr" anchorCtr="0">
+            <a:normAutofit/>
+          </a:bodyPr>
+          <a:lstStyle/>
+          <a:p>
+            <a:r>
+              <a:rPr lang="en-US" dirty="0">
+                <a:solidFill>
+                  <a:srgbClr val="C00000"/>
+                </a:solidFill>
+                <a:latin typeface="Copperplate" panose="02000504000000020004" pitchFamily="2" charset="77"/>
+              </a:rPr>
+              <a:t>POISON</a:t>
+            </a:r>
+          </a:p>
+        </p:txBody>
+      </p:sp>
+      <p:sp>
+        <p:nvSpPr>
+          <p:cNvPr id="3" name="Subtitle 2">
+            <a:extLst>
+              <a:ext uri="{FF2B5EF4-FFF2-40B4-BE49-F238E27FC236}">
+                <a16:creationId xmlns:a16="http://schemas.microsoft.com/office/drawing/2014/main" id="{CBC5AC38-4118-0B29-4DD7-E601F99B10A9}"/>
+              </a:ext>
+            </a:extLst>
+          </p:cNvPr>
+          <p:cNvSpPr>
+            <a:spLocks noGrp="1"/>
+          </p:cNvSpPr>
+          <p:nvPr>
+            <p:ph type="subTitle" idx="1"/>
+          </p:nvPr>
+        </p:nvSpPr>
+        <p:spPr>
+          <a:xfrm>
+            <a:off x="10525896" y="0"/>
+            <a:ext cx="1666104" cy="6858000"/>
+          </a:xfrm>
+        </p:spPr>
+        <p:txBody>
+          <a:bodyPr vert="wordArtVert" anchor="ctr" anchorCtr="0">
+            <a:noAutofit/>
+          </a:bodyPr>
+          <a:lstStyle/>
+          <a:p>
+            <a:r>
+              <a:rPr lang="en-US" sz="6000" dirty="0">
+                <a:solidFill>
+                  <a:srgbClr val="C00000"/>
+                </a:solidFill>
+                <a:latin typeface="Copperplate" panose="02000504000000020004" pitchFamily="2" charset="77"/>
+              </a:rPr>
+              <a:t>REMNANT</a:t>
+            </a:r>
+          </a:p>
+        </p:txBody>
+      </p:sp>
+      <p:sp>
+        <p:nvSpPr>
+          <p:cNvPr id="7" name="TextBox 6">
+            <a:extLst>
+              <a:ext uri="{FF2B5EF4-FFF2-40B4-BE49-F238E27FC236}">
+                <a16:creationId xmlns:a16="http://schemas.microsoft.com/office/drawing/2014/main" id="{97A9065F-BAFF-C59B-7BA8-B9E4DF3F0ED4}"/>
+              </a:ext>
+            </a:extLst>
+          </p:cNvPr>
+          <p:cNvSpPr txBox="1"/>
+          <p:nvPr/>
+        </p:nvSpPr>
+        <p:spPr>
+          <a:xfrm>
+            <a:off x="3301310" y="766120"/>
+            <a:ext cx="5585254" cy="646331"/>
+          </a:xfrm>
+          <a:prstGeom prst="rect">
+            <a:avLst/>
+          </a:prstGeom>
+          <a:noFill/>
+        </p:spPr>
+        <p:txBody>
+          <a:bodyPr wrap="square" rtlCol="0">
+            <a:spAutoFit/>
+          </a:bodyPr>
+          <a:lstStyle/>
+          <a:p>
+            <a:pPr algn="ctr"/>
+            <a:r>
+              <a:rPr lang="en-US" sz="3600" dirty="0">
+                <a:latin typeface="Copperplate" panose="02000504000000020004" pitchFamily="2" charset="77"/>
+              </a:rPr>
+              <a:t>Questions</a:t>
+            </a:r>
+            <a:endParaRPr lang="en-US" sz="3600" b="1" dirty="0">
+              <a:latin typeface="Copperplate" panose="02000504000000020004" pitchFamily="2" charset="77"/>
+            </a:endParaRPr>
+          </a:p>
+        </p:txBody>
+      </p:sp>
+      <p:sp>
+        <p:nvSpPr>
+          <p:cNvPr id="9" name="TextBox 8">
+            <a:extLst>
+              <a:ext uri="{FF2B5EF4-FFF2-40B4-BE49-F238E27FC236}">
+                <a16:creationId xmlns:a16="http://schemas.microsoft.com/office/drawing/2014/main" id="{D79BB699-8A5B-1FBA-D030-8D19E0D28BBF}"/>
+              </a:ext>
+            </a:extLst>
+          </p:cNvPr>
+          <p:cNvSpPr txBox="1"/>
+          <p:nvPr/>
+        </p:nvSpPr>
+        <p:spPr>
+          <a:xfrm>
+            <a:off x="4744995" y="1643283"/>
+            <a:ext cx="2817340" cy="646331"/>
+          </a:xfrm>
+          <a:prstGeom prst="rect">
+            <a:avLst/>
+          </a:prstGeom>
+          <a:noFill/>
+        </p:spPr>
+        <p:txBody>
+          <a:bodyPr wrap="square" rtlCol="0">
+            <a:spAutoFit/>
+          </a:bodyPr>
+          <a:lstStyle/>
+          <a:p>
+            <a:pPr algn="ctr"/>
+            <a:endParaRPr lang="en-US" b="1" dirty="0">
+              <a:solidFill>
+                <a:schemeClr val="bg1">
+                  <a:lumMod val="95000"/>
+                </a:schemeClr>
+              </a:solidFill>
+              <a:latin typeface="Copperplate" panose="02000504000000020004" pitchFamily="2" charset="77"/>
+            </a:endParaRPr>
+          </a:p>
+          <a:p>
+            <a:pPr algn="ctr"/>
+            <a:endParaRPr lang="en-US" dirty="0"/>
+          </a:p>
+        </p:txBody>
+      </p:sp>
+    </p:spTree>
+    <p:extLst>
+      <p:ext uri="{BB962C8B-B14F-4D97-AF65-F5344CB8AC3E}">
+        <p14:creationId xmlns:p14="http://schemas.microsoft.com/office/powerpoint/2010/main" val="688070602"/>
+      </p:ext>
+    </p:extLst>
+  </p:cSld>
+  <p:clrMapOvr>
+    <a:masterClrMapping/>
+  </p:clrMapOvr>
+  <p:transition spd="slow">
+    <p:wipe/>
+  </p:transition>
 </p:sld>
 </file>
 
@@ -3684,29 +4649,7 @@
                 </a:solidFill>
                 <a:latin typeface="Copperplate" panose="02000504000000020004" pitchFamily="2" charset="77"/>
               </a:rPr>
-              <a:t>Ken Pederson</a:t>
-            </a:r>
-            <a:r>
-              <a:rPr lang="en-US" sz="2000">
-                <a:solidFill>
-                  <a:schemeClr val="bg1">
-                    <a:lumMod val="95000"/>
-                  </a:schemeClr>
-                </a:solidFill>
-                <a:latin typeface="Copperplate" panose="02000504000000020004" pitchFamily="2" charset="77"/>
-              </a:rPr>
-              <a:t>, </a:t>
-            </a:r>
-            <a:r>
-              <a:rPr lang="en-US" sz="2000" i="1">
-                <a:solidFill>
-                  <a:schemeClr val="bg1">
-                    <a:lumMod val="95000"/>
-                  </a:schemeClr>
-                </a:solidFill>
-                <a:latin typeface="Copperplate" panose="02000504000000020004" pitchFamily="2" charset="77"/>
-              </a:rPr>
-              <a:t>Repo </a:t>
+              <a:t>Ken Pederson, </a:t>
             </a:r>
             <a:r>
               <a:rPr lang="en-US" sz="2000" i="1" dirty="0">
@@ -3717,7 +4660,7 @@
                 </a:solidFill>
                 <a:latin typeface="Copperplate" panose="02000504000000020004" pitchFamily="2" charset="77"/>
               </a:rPr>
-              <a:t>Owner</a:t>
+              <a:t>Repo Owner</a:t>
             </a:r>
           </a:p>
         </p:txBody>
@@ -3953,6 +4896,9 @@
   <p:clrMapOvr>
     <a:masterClrMapping/>
   </p:clrMapOvr>
+  <p:transition spd="slow">
+    <p:wipe/>
+  </p:transition>
 </p:sld>
 </file>
 
@@ -4339,6 +5285,9 @@
   <p:clrMapOvr>
     <a:masterClrMapping/>
   </p:clrMapOvr>
+  <p:transition spd="slow">
+    <p:wipe/>
+  </p:transition>
 </p:sld>
 </file>
 
@@ -4495,8 +5444,8 @@
         </p:nvSpPr>
         <p:spPr>
           <a:xfrm>
-            <a:off x="2551671" y="766120"/>
-            <a:ext cx="7203988" cy="646331"/>
+            <a:off x="3301310" y="766120"/>
+            <a:ext cx="5585254" cy="1200329"/>
           </a:xfrm>
           <a:prstGeom prst="rect">
             <a:avLst/>
@@ -4511,11 +5460,14 @@
           <a:p>
             <a:pPr algn="ctr"/>
             <a:r>
-              <a:rPr lang="en-US" sz="3600" dirty="0">
-                <a:latin typeface="Copperplate" panose="02000504000000020004" pitchFamily="2" charset="77"/>
-              </a:rPr>
-              <a:t>Application Demonstration</a:t>
-            </a:r>
+              <a:rPr lang="en-US" sz="3600" b="1" dirty="0">
+                <a:latin typeface="Copperplate" panose="02000504000000020004" pitchFamily="2" charset="77"/>
+              </a:rPr>
+              <a:t>Methodologies </a:t>
+            </a:r>
+          </a:p>
+          <a:p>
+            <a:pPr algn="ctr"/>
             <a:endParaRPr lang="en-US" sz="3600" b="1" dirty="0">
               <a:latin typeface="Copperplate" panose="02000504000000020004" pitchFamily="2" charset="77"/>
             </a:endParaRPr>
@@ -4524,10 +5476,10 @@
       </p:sp>
       <p:sp>
         <p:nvSpPr>
-          <p:cNvPr id="9" name="TextBox 8">
-            <a:extLst>
-              <a:ext uri="{FF2B5EF4-FFF2-40B4-BE49-F238E27FC236}">
-                <a16:creationId xmlns:a16="http://schemas.microsoft.com/office/drawing/2014/main" id="{D79BB699-8A5B-1FBA-D030-8D19E0D28BBF}"/>
+          <p:cNvPr id="8" name="TextBox 7">
+            <a:extLst>
+              <a:ext uri="{FF2B5EF4-FFF2-40B4-BE49-F238E27FC236}">
+                <a16:creationId xmlns:a16="http://schemas.microsoft.com/office/drawing/2014/main" id="{7079610E-85FD-7F92-4F6F-6D94A304050E}"/>
               </a:ext>
             </a:extLst>
           </p:cNvPr>
@@ -4536,8 +5488,8 @@
         </p:nvSpPr>
         <p:spPr>
           <a:xfrm>
-            <a:off x="4522573" y="1636684"/>
-            <a:ext cx="3262183" cy="646331"/>
+            <a:off x="4108622" y="4324040"/>
+            <a:ext cx="4090086" cy="1323439"/>
           </a:xfrm>
           <a:prstGeom prst="rect">
             <a:avLst/>
@@ -4552,13 +5504,7 @@
           <a:p>
             <a:pPr algn="ctr"/>
             <a:r>
-              <a:rPr lang="en-US" b="1" dirty="0">
-                <a:latin typeface="Copperplate" panose="02000504000000020004" pitchFamily="2" charset="77"/>
-              </a:rPr>
-              <a:t> </a:t>
-            </a:r>
-            <a:r>
-              <a:rPr lang="en-US" b="1" dirty="0">
+              <a:rPr lang="en-US" sz="2000" dirty="0">
                 <a:solidFill>
                   <a:schemeClr val="bg1">
                     <a:lumMod val="95000"/>
@@ -4566,10 +5512,13 @@
                 </a:solidFill>
                 <a:latin typeface="Copperplate" panose="02000504000000020004" pitchFamily="2" charset="77"/>
               </a:rPr>
-              <a:t>Samantha </a:t>
-            </a:r>
-            <a:r>
-              <a:rPr lang="en-US" b="1" dirty="0" err="1">
+              <a:t>Planning</a:t>
+            </a:r>
+          </a:p>
+          <a:p>
+            <a:pPr algn="ctr"/>
+            <a:r>
+              <a:rPr lang="en-US" sz="2000" dirty="0">
                 <a:solidFill>
                   <a:schemeClr val="bg1">
                     <a:lumMod val="95000"/>
@@ -4577,9 +5526,29 @@
                 </a:solidFill>
                 <a:latin typeface="Copperplate" panose="02000504000000020004" pitchFamily="2" charset="77"/>
               </a:rPr>
-              <a:t>Heisterkamp</a:t>
-            </a:r>
-            <a:endParaRPr lang="en-US" b="1" dirty="0">
+              <a:t>Executing</a:t>
+            </a:r>
+          </a:p>
+          <a:p>
+            <a:pPr algn="ctr"/>
+            <a:r>
+              <a:rPr lang="en-US" sz="2000" dirty="0">
+                <a:solidFill>
+                  <a:schemeClr val="bg1">
+                    <a:lumMod val="95000"/>
+                  </a:schemeClr>
+                </a:solidFill>
+                <a:latin typeface="Copperplate" panose="02000504000000020004" pitchFamily="2" charset="77"/>
+              </a:rPr>
+              <a:t>Evaluating</a:t>
+            </a:r>
+          </a:p>
+          <a:p>
+            <a:pPr marL="285750" indent="-285750" algn="ctr">
+              <a:buFont typeface="Arial" panose="020B0604020202020204" pitchFamily="34" charset="0"/>
+              <a:buChar char="•"/>
+            </a:pPr>
+            <a:endParaRPr lang="en-US" sz="2000" dirty="0">
               <a:solidFill>
                 <a:schemeClr val="bg1">
                   <a:lumMod val="95000"/>
@@ -4588,6 +5557,55 @@
               <a:latin typeface="Copperplate" panose="02000504000000020004" pitchFamily="2" charset="77"/>
             </a:endParaRPr>
           </a:p>
+        </p:txBody>
+      </p:sp>
+      <p:sp>
+        <p:nvSpPr>
+          <p:cNvPr id="9" name="TextBox 8">
+            <a:extLst>
+              <a:ext uri="{FF2B5EF4-FFF2-40B4-BE49-F238E27FC236}">
+                <a16:creationId xmlns:a16="http://schemas.microsoft.com/office/drawing/2014/main" id="{D79BB699-8A5B-1FBA-D030-8D19E0D28BBF}"/>
+              </a:ext>
+            </a:extLst>
+          </p:cNvPr>
+          <p:cNvSpPr txBox="1"/>
+          <p:nvPr/>
+        </p:nvSpPr>
+        <p:spPr>
+          <a:xfrm>
+            <a:off x="4744995" y="1643283"/>
+            <a:ext cx="2817340" cy="646331"/>
+          </a:xfrm>
+          <a:prstGeom prst="rect">
+            <a:avLst/>
+          </a:prstGeom>
+          <a:noFill/>
+        </p:spPr>
+        <p:txBody>
+          <a:bodyPr wrap="square" rtlCol="0">
+            <a:spAutoFit/>
+          </a:bodyPr>
+          <a:lstStyle/>
+          <a:p>
+            <a:pPr algn="ctr"/>
+            <a:r>
+              <a:rPr lang="en-US" b="1" dirty="0">
+                <a:latin typeface="Copperplate" panose="02000504000000020004" pitchFamily="2" charset="77"/>
+              </a:rPr>
+              <a:t> </a:t>
+            </a:r>
+            <a:r>
+              <a:rPr lang="en-US" b="1" dirty="0">
+                <a:solidFill>
+                  <a:schemeClr val="bg1">
+                    <a:lumMod val="95000"/>
+                  </a:schemeClr>
+                </a:solidFill>
+                <a:latin typeface="Copperplate" panose="02000504000000020004" pitchFamily="2" charset="77"/>
+              </a:rPr>
+              <a:t>AGILE</a:t>
+            </a:r>
+          </a:p>
           <a:p>
             <a:pPr algn="ctr"/>
             <a:endParaRPr lang="en-US" dirty="0"/>
@@ -4597,13 +5615,16 @@
     </p:spTree>
     <p:extLst>
       <p:ext uri="{BB962C8B-B14F-4D97-AF65-F5344CB8AC3E}">
-        <p14:creationId xmlns:p14="http://schemas.microsoft.com/office/powerpoint/2010/main" val="3266239358"/>
+        <p14:creationId xmlns:p14="http://schemas.microsoft.com/office/powerpoint/2010/main" val="3767964168"/>
       </p:ext>
     </p:extLst>
   </p:cSld>
   <p:clrMapOvr>
     <a:masterClrMapping/>
   </p:clrMapOvr>
+  <p:transition spd="slow">
+    <p:wipe/>
+  </p:transition>
 </p:sld>
 </file>
 
@@ -4634,12 +5655,92 @@
           <a:chExt cx="0" cy="0"/>
         </a:xfrm>
       </p:grpSpPr>
+      <p:sp>
+        <p:nvSpPr>
+          <p:cNvPr id="2" name="Title 1">
+            <a:extLst>
+              <a:ext uri="{FF2B5EF4-FFF2-40B4-BE49-F238E27FC236}">
+                <a16:creationId xmlns:a16="http://schemas.microsoft.com/office/drawing/2014/main" id="{D87C433E-5CD1-7179-AF6C-C94CF28E9DEA}"/>
+              </a:ext>
+            </a:extLst>
+          </p:cNvPr>
+          <p:cNvSpPr>
+            <a:spLocks noGrp="1"/>
+          </p:cNvSpPr>
+          <p:nvPr>
+            <p:ph type="ctrTitle"/>
+          </p:nvPr>
+        </p:nvSpPr>
+        <p:spPr>
+          <a:xfrm>
+            <a:off x="0" y="0"/>
+            <a:ext cx="1666101" cy="6858000"/>
+          </a:xfrm>
+        </p:spPr>
+        <p:txBody>
+          <a:bodyPr vert="wordArtVert" anchor="ctr" anchorCtr="0">
+            <a:normAutofit/>
+          </a:bodyPr>
+          <a:lstStyle/>
+          <a:p>
+            <a:r>
+              <a:rPr lang="en-US" dirty="0">
+                <a:solidFill>
+                  <a:srgbClr val="C00000"/>
+                </a:solidFill>
+                <a:latin typeface="Copperplate" panose="02000504000000020004" pitchFamily="2" charset="77"/>
+              </a:rPr>
+              <a:t>POISON</a:t>
+            </a:r>
+          </a:p>
+        </p:txBody>
+      </p:sp>
+      <p:sp>
+        <p:nvSpPr>
+          <p:cNvPr id="3" name="Subtitle 2">
+            <a:extLst>
+              <a:ext uri="{FF2B5EF4-FFF2-40B4-BE49-F238E27FC236}">
+                <a16:creationId xmlns:a16="http://schemas.microsoft.com/office/drawing/2014/main" id="{CBC5AC38-4118-0B29-4DD7-E601F99B10A9}"/>
+              </a:ext>
+            </a:extLst>
+          </p:cNvPr>
+          <p:cNvSpPr>
+            <a:spLocks noGrp="1"/>
+          </p:cNvSpPr>
+          <p:nvPr>
+            <p:ph type="subTitle" idx="1"/>
+          </p:nvPr>
+        </p:nvSpPr>
+        <p:spPr>
+          <a:xfrm>
+            <a:off x="10525896" y="0"/>
+            <a:ext cx="1666104" cy="6858000"/>
+          </a:xfrm>
+        </p:spPr>
+        <p:txBody>
+          <a:bodyPr vert="wordArtVert" anchor="ctr" anchorCtr="0">
+            <a:noAutofit/>
+          </a:bodyPr>
+          <a:lstStyle/>
+          <a:p>
+            <a:r>
+              <a:rPr lang="en-US" sz="6000" dirty="0">
+                <a:solidFill>
+                  <a:srgbClr val="C00000"/>
+                </a:solidFill>
+                <a:latin typeface="Copperplate" panose="02000504000000020004" pitchFamily="2" charset="77"/>
+              </a:rPr>
+              <a:t>REMNANT</a:t>
+            </a:r>
+          </a:p>
+        </p:txBody>
+      </p:sp>
       <p:pic>
         <p:nvPicPr>
-          <p:cNvPr id="5" name="Picture 4" descr="A picture containing indoor&#10;&#10;Description automatically generated">
-            <a:extLst>
-              <a:ext uri="{FF2B5EF4-FFF2-40B4-BE49-F238E27FC236}">
-                <a16:creationId xmlns:a16="http://schemas.microsoft.com/office/drawing/2014/main" id="{834D9A81-EA48-E890-111D-13C466E1050B}"/>
+          <p:cNvPr id="10" name="Picture 9" descr="A screenshot of a computer&#10;&#10;Description automatically generated with medium confidence">
+            <a:extLst>
+              <a:ext uri="{FF2B5EF4-FFF2-40B4-BE49-F238E27FC236}">
+                <a16:creationId xmlns:a16="http://schemas.microsoft.com/office/drawing/2014/main" id="{6F18BCB4-53E5-B2F4-F5AE-E0618478EC8F}"/>
               </a:ext>
             </a:extLst>
           </p:cNvPr>
@@ -4649,302 +5750,34 @@
           <p:nvPr/>
         </p:nvPicPr>
         <p:blipFill>
-          <a:blip r:embed="rId2">
-            <a:alphaModFix amt="20000"/>
-          </a:blip>
+          <a:blip r:embed="rId2"/>
           <a:stretch>
             <a:fillRect/>
           </a:stretch>
         </p:blipFill>
         <p:spPr>
           <a:xfrm>
-            <a:off x="1532238" y="-86497"/>
-            <a:ext cx="9156357" cy="7080421"/>
+            <a:off x="1398947" y="1111746"/>
+            <a:ext cx="9394106" cy="4634508"/>
           </a:xfrm>
           <a:prstGeom prst="rect">
             <a:avLst/>
           </a:prstGeom>
         </p:spPr>
       </p:pic>
-      <p:sp>
-        <p:nvSpPr>
-          <p:cNvPr id="2" name="Title 1">
-            <a:extLst>
-              <a:ext uri="{FF2B5EF4-FFF2-40B4-BE49-F238E27FC236}">
-                <a16:creationId xmlns:a16="http://schemas.microsoft.com/office/drawing/2014/main" id="{D87C433E-5CD1-7179-AF6C-C94CF28E9DEA}"/>
-              </a:ext>
-            </a:extLst>
-          </p:cNvPr>
-          <p:cNvSpPr>
-            <a:spLocks noGrp="1"/>
-          </p:cNvSpPr>
-          <p:nvPr>
-            <p:ph type="ctrTitle"/>
-          </p:nvPr>
-        </p:nvSpPr>
-        <p:spPr>
-          <a:xfrm>
-            <a:off x="0" y="0"/>
-            <a:ext cx="1666101" cy="6858000"/>
-          </a:xfrm>
-        </p:spPr>
-        <p:txBody>
-          <a:bodyPr vert="wordArtVert" anchor="ctr" anchorCtr="0">
-            <a:normAutofit/>
-          </a:bodyPr>
-          <a:lstStyle/>
-          <a:p>
-            <a:r>
-              <a:rPr lang="en-US" dirty="0">
-                <a:solidFill>
-                  <a:srgbClr val="C00000"/>
-                </a:solidFill>
-                <a:latin typeface="Copperplate" panose="02000504000000020004" pitchFamily="2" charset="77"/>
-              </a:rPr>
-              <a:t>POISON</a:t>
-            </a:r>
-          </a:p>
-        </p:txBody>
-      </p:sp>
-      <p:sp>
-        <p:nvSpPr>
-          <p:cNvPr id="3" name="Subtitle 2">
-            <a:extLst>
-              <a:ext uri="{FF2B5EF4-FFF2-40B4-BE49-F238E27FC236}">
-                <a16:creationId xmlns:a16="http://schemas.microsoft.com/office/drawing/2014/main" id="{CBC5AC38-4118-0B29-4DD7-E601F99B10A9}"/>
-              </a:ext>
-            </a:extLst>
-          </p:cNvPr>
-          <p:cNvSpPr>
-            <a:spLocks noGrp="1"/>
-          </p:cNvSpPr>
-          <p:nvPr>
-            <p:ph type="subTitle" idx="1"/>
-          </p:nvPr>
-        </p:nvSpPr>
-        <p:spPr>
-          <a:xfrm>
-            <a:off x="10525896" y="0"/>
-            <a:ext cx="1666104" cy="6858000"/>
-          </a:xfrm>
-        </p:spPr>
-        <p:txBody>
-          <a:bodyPr vert="wordArtVert" anchor="ctr" anchorCtr="0">
-            <a:noAutofit/>
-          </a:bodyPr>
-          <a:lstStyle/>
-          <a:p>
-            <a:r>
-              <a:rPr lang="en-US" sz="6000" dirty="0">
-                <a:solidFill>
-                  <a:srgbClr val="C00000"/>
-                </a:solidFill>
-                <a:latin typeface="Copperplate" panose="02000504000000020004" pitchFamily="2" charset="77"/>
-              </a:rPr>
-              <a:t>REMNANT</a:t>
-            </a:r>
-          </a:p>
-        </p:txBody>
-      </p:sp>
-      <p:sp>
-        <p:nvSpPr>
-          <p:cNvPr id="6" name="TextBox 5">
-            <a:extLst>
-              <a:ext uri="{FF2B5EF4-FFF2-40B4-BE49-F238E27FC236}">
-                <a16:creationId xmlns:a16="http://schemas.microsoft.com/office/drawing/2014/main" id="{AD8438D8-A9CE-CFB2-9405-7856A043D857}"/>
-              </a:ext>
-            </a:extLst>
-          </p:cNvPr>
-          <p:cNvSpPr txBox="1"/>
-          <p:nvPr/>
-        </p:nvSpPr>
-        <p:spPr>
-          <a:xfrm>
-            <a:off x="3303371" y="3576587"/>
-            <a:ext cx="5585254" cy="523220"/>
-          </a:xfrm>
-          <a:prstGeom prst="rect">
-            <a:avLst/>
-          </a:prstGeom>
-          <a:noFill/>
-        </p:spPr>
-        <p:txBody>
-          <a:bodyPr wrap="square" rtlCol="0">
-            <a:spAutoFit/>
-          </a:bodyPr>
-          <a:lstStyle/>
-          <a:p>
-            <a:pPr algn="ctr"/>
-            <a:r>
-              <a:rPr lang="en-US" sz="2800" b="1" dirty="0">
-                <a:latin typeface="Copperplate" panose="02000504000000020004" pitchFamily="2" charset="77"/>
-              </a:rPr>
-              <a:t>OVERVIEW</a:t>
-            </a:r>
-          </a:p>
-        </p:txBody>
-      </p:sp>
-      <p:sp>
-        <p:nvSpPr>
-          <p:cNvPr id="7" name="TextBox 6">
-            <a:extLst>
-              <a:ext uri="{FF2B5EF4-FFF2-40B4-BE49-F238E27FC236}">
-                <a16:creationId xmlns:a16="http://schemas.microsoft.com/office/drawing/2014/main" id="{97A9065F-BAFF-C59B-7BA8-B9E4DF3F0ED4}"/>
-              </a:ext>
-            </a:extLst>
-          </p:cNvPr>
-          <p:cNvSpPr txBox="1"/>
-          <p:nvPr/>
-        </p:nvSpPr>
-        <p:spPr>
-          <a:xfrm>
-            <a:off x="3301310" y="766120"/>
-            <a:ext cx="5585254" cy="646331"/>
-          </a:xfrm>
-          <a:prstGeom prst="rect">
-            <a:avLst/>
-          </a:prstGeom>
-          <a:noFill/>
-        </p:spPr>
-        <p:txBody>
-          <a:bodyPr wrap="square" rtlCol="0">
-            <a:spAutoFit/>
-          </a:bodyPr>
-          <a:lstStyle/>
-          <a:p>
-            <a:pPr algn="ctr"/>
-            <a:r>
-              <a:rPr lang="en-US" sz="3600" dirty="0">
-                <a:latin typeface="Copperplate" panose="02000504000000020004" pitchFamily="2" charset="77"/>
-              </a:rPr>
-              <a:t>Remaining Challenges</a:t>
-            </a:r>
-            <a:endParaRPr lang="en-US" sz="3600" b="1" dirty="0">
-              <a:latin typeface="Copperplate" panose="02000504000000020004" pitchFamily="2" charset="77"/>
-            </a:endParaRPr>
-          </a:p>
-        </p:txBody>
-      </p:sp>
-      <p:sp>
-        <p:nvSpPr>
-          <p:cNvPr id="8" name="TextBox 7">
-            <a:extLst>
-              <a:ext uri="{FF2B5EF4-FFF2-40B4-BE49-F238E27FC236}">
-                <a16:creationId xmlns:a16="http://schemas.microsoft.com/office/drawing/2014/main" id="{7079610E-85FD-7F92-4F6F-6D94A304050E}"/>
-              </a:ext>
-            </a:extLst>
-          </p:cNvPr>
-          <p:cNvSpPr txBox="1"/>
-          <p:nvPr/>
-        </p:nvSpPr>
-        <p:spPr>
-          <a:xfrm>
-            <a:off x="3447535" y="4324040"/>
-            <a:ext cx="5439029" cy="707886"/>
-          </a:xfrm>
-          <a:prstGeom prst="rect">
-            <a:avLst/>
-          </a:prstGeom>
-          <a:noFill/>
-        </p:spPr>
-        <p:txBody>
-          <a:bodyPr wrap="square" rtlCol="0">
-            <a:spAutoFit/>
-          </a:bodyPr>
-          <a:lstStyle/>
-          <a:p>
-            <a:pPr algn="ctr"/>
-            <a:r>
-              <a:rPr lang="en-US" sz="2000" dirty="0">
-                <a:solidFill>
-                  <a:schemeClr val="bg1">
-                    <a:lumMod val="95000"/>
-                  </a:schemeClr>
-                </a:solidFill>
-                <a:latin typeface="Copperplate" panose="02000504000000020004" pitchFamily="2" charset="77"/>
-              </a:rPr>
-              <a:t>Bidding Capabilities</a:t>
-            </a:r>
-          </a:p>
-          <a:p>
-            <a:pPr algn="ctr"/>
-            <a:r>
-              <a:rPr lang="en-US" sz="2000" dirty="0">
-                <a:solidFill>
-                  <a:schemeClr val="bg1">
-                    <a:lumMod val="95000"/>
-                  </a:schemeClr>
-                </a:solidFill>
-                <a:latin typeface="Copperplate" panose="02000504000000020004" pitchFamily="2" charset="77"/>
-              </a:rPr>
-              <a:t>Customer Reviews &amp; Bakery Responses</a:t>
-            </a:r>
-          </a:p>
-        </p:txBody>
-      </p:sp>
-      <p:sp>
-        <p:nvSpPr>
-          <p:cNvPr id="9" name="TextBox 8">
-            <a:extLst>
-              <a:ext uri="{FF2B5EF4-FFF2-40B4-BE49-F238E27FC236}">
-                <a16:creationId xmlns:a16="http://schemas.microsoft.com/office/drawing/2014/main" id="{D79BB699-8A5B-1FBA-D030-8D19E0D28BBF}"/>
-              </a:ext>
-            </a:extLst>
-          </p:cNvPr>
-          <p:cNvSpPr txBox="1"/>
-          <p:nvPr/>
-        </p:nvSpPr>
-        <p:spPr>
-          <a:xfrm>
-            <a:off x="4744995" y="1643283"/>
-            <a:ext cx="2817340" cy="646331"/>
-          </a:xfrm>
-          <a:prstGeom prst="rect">
-            <a:avLst/>
-          </a:prstGeom>
-          <a:noFill/>
-        </p:spPr>
-        <p:txBody>
-          <a:bodyPr wrap="square" rtlCol="0">
-            <a:spAutoFit/>
-          </a:bodyPr>
-          <a:lstStyle/>
-          <a:p>
-            <a:pPr algn="ctr"/>
-            <a:r>
-              <a:rPr lang="en-US" b="1" dirty="0">
-                <a:latin typeface="Copperplate" panose="02000504000000020004" pitchFamily="2" charset="77"/>
-              </a:rPr>
-              <a:t> </a:t>
-            </a:r>
-            <a:r>
-              <a:rPr lang="en-US" b="1" dirty="0">
-                <a:solidFill>
-                  <a:schemeClr val="bg1">
-                    <a:lumMod val="95000"/>
-                  </a:schemeClr>
-                </a:solidFill>
-                <a:latin typeface="Copperplate" panose="02000504000000020004" pitchFamily="2" charset="77"/>
-              </a:rPr>
-              <a:t>Chad Rousseau</a:t>
-            </a:r>
-          </a:p>
-          <a:p>
-            <a:pPr algn="ctr"/>
-            <a:endParaRPr lang="en-US" dirty="0"/>
-          </a:p>
-        </p:txBody>
-      </p:sp>
     </p:spTree>
     <p:extLst>
       <p:ext uri="{BB962C8B-B14F-4D97-AF65-F5344CB8AC3E}">
-        <p14:creationId xmlns:p14="http://schemas.microsoft.com/office/powerpoint/2010/main" val="2309352670"/>
+        <p14:creationId xmlns:p14="http://schemas.microsoft.com/office/powerpoint/2010/main" val="1170072012"/>
       </p:ext>
     </p:extLst>
   </p:cSld>
   <p:clrMapOvr>
     <a:masterClrMapping/>
   </p:clrMapOvr>
+  <p:transition spd="slow">
+    <p:wipe/>
+  </p:transition>
 </p:sld>
 </file>
 
@@ -4975,12 +5808,92 @@
           <a:chExt cx="0" cy="0"/>
         </a:xfrm>
       </p:grpSpPr>
+      <p:sp>
+        <p:nvSpPr>
+          <p:cNvPr id="2" name="Title 1">
+            <a:extLst>
+              <a:ext uri="{FF2B5EF4-FFF2-40B4-BE49-F238E27FC236}">
+                <a16:creationId xmlns:a16="http://schemas.microsoft.com/office/drawing/2014/main" id="{D87C433E-5CD1-7179-AF6C-C94CF28E9DEA}"/>
+              </a:ext>
+            </a:extLst>
+          </p:cNvPr>
+          <p:cNvSpPr>
+            <a:spLocks noGrp="1"/>
+          </p:cNvSpPr>
+          <p:nvPr>
+            <p:ph type="ctrTitle"/>
+          </p:nvPr>
+        </p:nvSpPr>
+        <p:spPr>
+          <a:xfrm>
+            <a:off x="0" y="0"/>
+            <a:ext cx="1666101" cy="6858000"/>
+          </a:xfrm>
+        </p:spPr>
+        <p:txBody>
+          <a:bodyPr vert="wordArtVert" anchor="ctr" anchorCtr="0">
+            <a:normAutofit/>
+          </a:bodyPr>
+          <a:lstStyle/>
+          <a:p>
+            <a:r>
+              <a:rPr lang="en-US" dirty="0">
+                <a:solidFill>
+                  <a:srgbClr val="C00000"/>
+                </a:solidFill>
+                <a:latin typeface="Copperplate" panose="02000504000000020004" pitchFamily="2" charset="77"/>
+              </a:rPr>
+              <a:t>POISON</a:t>
+            </a:r>
+          </a:p>
+        </p:txBody>
+      </p:sp>
+      <p:sp>
+        <p:nvSpPr>
+          <p:cNvPr id="3" name="Subtitle 2">
+            <a:extLst>
+              <a:ext uri="{FF2B5EF4-FFF2-40B4-BE49-F238E27FC236}">
+                <a16:creationId xmlns:a16="http://schemas.microsoft.com/office/drawing/2014/main" id="{CBC5AC38-4118-0B29-4DD7-E601F99B10A9}"/>
+              </a:ext>
+            </a:extLst>
+          </p:cNvPr>
+          <p:cNvSpPr>
+            <a:spLocks noGrp="1"/>
+          </p:cNvSpPr>
+          <p:nvPr>
+            <p:ph type="subTitle" idx="1"/>
+          </p:nvPr>
+        </p:nvSpPr>
+        <p:spPr>
+          <a:xfrm>
+            <a:off x="10525896" y="0"/>
+            <a:ext cx="1666104" cy="6858000"/>
+          </a:xfrm>
+        </p:spPr>
+        <p:txBody>
+          <a:bodyPr vert="wordArtVert" anchor="ctr" anchorCtr="0">
+            <a:noAutofit/>
+          </a:bodyPr>
+          <a:lstStyle/>
+          <a:p>
+            <a:r>
+              <a:rPr lang="en-US" sz="6000" dirty="0">
+                <a:solidFill>
+                  <a:srgbClr val="C00000"/>
+                </a:solidFill>
+                <a:latin typeface="Copperplate" panose="02000504000000020004" pitchFamily="2" charset="77"/>
+              </a:rPr>
+              <a:t>REMNANT</a:t>
+            </a:r>
+          </a:p>
+        </p:txBody>
+      </p:sp>
       <p:pic>
         <p:nvPicPr>
-          <p:cNvPr id="5" name="Picture 4" descr="A picture containing indoor&#10;&#10;Description automatically generated">
-            <a:extLst>
-              <a:ext uri="{FF2B5EF4-FFF2-40B4-BE49-F238E27FC236}">
-                <a16:creationId xmlns:a16="http://schemas.microsoft.com/office/drawing/2014/main" id="{834D9A81-EA48-E890-111D-13C466E1050B}"/>
+          <p:cNvPr id="5" name="Picture 4" descr="Graphical user interface, diagram&#10;&#10;Description automatically generated">
+            <a:extLst>
+              <a:ext uri="{FF2B5EF4-FFF2-40B4-BE49-F238E27FC236}">
+                <a16:creationId xmlns:a16="http://schemas.microsoft.com/office/drawing/2014/main" id="{82331630-FE4E-2AB3-F455-018ED6A8B73A}"/>
               </a:ext>
             </a:extLst>
           </p:cNvPr>
@@ -4990,207 +5903,34 @@
           <p:nvPr/>
         </p:nvPicPr>
         <p:blipFill>
-          <a:blip r:embed="rId2">
-            <a:alphaModFix amt="20000"/>
-          </a:blip>
+          <a:blip r:embed="rId2"/>
           <a:stretch>
             <a:fillRect/>
           </a:stretch>
         </p:blipFill>
         <p:spPr>
           <a:xfrm>
-            <a:off x="1532238" y="-86497"/>
-            <a:ext cx="9156357" cy="7080421"/>
+            <a:off x="1589611" y="1234051"/>
+            <a:ext cx="9012778" cy="4389897"/>
           </a:xfrm>
           <a:prstGeom prst="rect">
             <a:avLst/>
           </a:prstGeom>
         </p:spPr>
       </p:pic>
-      <p:sp>
-        <p:nvSpPr>
-          <p:cNvPr id="2" name="Title 1">
-            <a:extLst>
-              <a:ext uri="{FF2B5EF4-FFF2-40B4-BE49-F238E27FC236}">
-                <a16:creationId xmlns:a16="http://schemas.microsoft.com/office/drawing/2014/main" id="{D87C433E-5CD1-7179-AF6C-C94CF28E9DEA}"/>
-              </a:ext>
-            </a:extLst>
-          </p:cNvPr>
-          <p:cNvSpPr>
-            <a:spLocks noGrp="1"/>
-          </p:cNvSpPr>
-          <p:nvPr>
-            <p:ph type="ctrTitle"/>
-          </p:nvPr>
-        </p:nvSpPr>
-        <p:spPr>
-          <a:xfrm>
-            <a:off x="0" y="0"/>
-            <a:ext cx="1666101" cy="6858000"/>
-          </a:xfrm>
-        </p:spPr>
-        <p:txBody>
-          <a:bodyPr vert="wordArtVert" anchor="ctr" anchorCtr="0">
-            <a:normAutofit/>
-          </a:bodyPr>
-          <a:lstStyle/>
-          <a:p>
-            <a:r>
-              <a:rPr lang="en-US" dirty="0">
-                <a:solidFill>
-                  <a:srgbClr val="C00000"/>
-                </a:solidFill>
-                <a:latin typeface="Copperplate" panose="02000504000000020004" pitchFamily="2" charset="77"/>
-              </a:rPr>
-              <a:t>POISON</a:t>
-            </a:r>
-          </a:p>
-        </p:txBody>
-      </p:sp>
-      <p:sp>
-        <p:nvSpPr>
-          <p:cNvPr id="3" name="Subtitle 2">
-            <a:extLst>
-              <a:ext uri="{FF2B5EF4-FFF2-40B4-BE49-F238E27FC236}">
-                <a16:creationId xmlns:a16="http://schemas.microsoft.com/office/drawing/2014/main" id="{CBC5AC38-4118-0B29-4DD7-E601F99B10A9}"/>
-              </a:ext>
-            </a:extLst>
-          </p:cNvPr>
-          <p:cNvSpPr>
-            <a:spLocks noGrp="1"/>
-          </p:cNvSpPr>
-          <p:nvPr>
-            <p:ph type="subTitle" idx="1"/>
-          </p:nvPr>
-        </p:nvSpPr>
-        <p:spPr>
-          <a:xfrm>
-            <a:off x="10525896" y="0"/>
-            <a:ext cx="1666104" cy="6858000"/>
-          </a:xfrm>
-        </p:spPr>
-        <p:txBody>
-          <a:bodyPr vert="wordArtVert" anchor="ctr" anchorCtr="0">
-            <a:noAutofit/>
-          </a:bodyPr>
-          <a:lstStyle/>
-          <a:p>
-            <a:r>
-              <a:rPr lang="en-US" sz="6000" dirty="0">
-                <a:solidFill>
-                  <a:srgbClr val="C00000"/>
-                </a:solidFill>
-                <a:latin typeface="Copperplate" panose="02000504000000020004" pitchFamily="2" charset="77"/>
-              </a:rPr>
-              <a:t>REMNANT</a:t>
-            </a:r>
-          </a:p>
-        </p:txBody>
-      </p:sp>
-      <p:sp>
-        <p:nvSpPr>
-          <p:cNvPr id="7" name="TextBox 6">
-            <a:extLst>
-              <a:ext uri="{FF2B5EF4-FFF2-40B4-BE49-F238E27FC236}">
-                <a16:creationId xmlns:a16="http://schemas.microsoft.com/office/drawing/2014/main" id="{97A9065F-BAFF-C59B-7BA8-B9E4DF3F0ED4}"/>
-              </a:ext>
-            </a:extLst>
-          </p:cNvPr>
-          <p:cNvSpPr txBox="1"/>
-          <p:nvPr/>
-        </p:nvSpPr>
-        <p:spPr>
-          <a:xfrm>
-            <a:off x="3301310" y="766120"/>
-            <a:ext cx="5585254" cy="646331"/>
-          </a:xfrm>
-          <a:prstGeom prst="rect">
-            <a:avLst/>
-          </a:prstGeom>
-          <a:noFill/>
-        </p:spPr>
-        <p:txBody>
-          <a:bodyPr wrap="square" rtlCol="0">
-            <a:spAutoFit/>
-          </a:bodyPr>
-          <a:lstStyle/>
-          <a:p>
-            <a:pPr algn="ctr"/>
-            <a:r>
-              <a:rPr lang="en-US" sz="3600" dirty="0">
-                <a:latin typeface="Copperplate" panose="02000504000000020004" pitchFamily="2" charset="77"/>
-              </a:rPr>
-              <a:t>Lessons Learned</a:t>
-            </a:r>
-            <a:endParaRPr lang="en-US" sz="3600" b="1" dirty="0">
-              <a:latin typeface="Copperplate" panose="02000504000000020004" pitchFamily="2" charset="77"/>
-            </a:endParaRPr>
-          </a:p>
-        </p:txBody>
-      </p:sp>
-      <p:sp>
-        <p:nvSpPr>
-          <p:cNvPr id="9" name="TextBox 8">
-            <a:extLst>
-              <a:ext uri="{FF2B5EF4-FFF2-40B4-BE49-F238E27FC236}">
-                <a16:creationId xmlns:a16="http://schemas.microsoft.com/office/drawing/2014/main" id="{D79BB699-8A5B-1FBA-D030-8D19E0D28BBF}"/>
-              </a:ext>
-            </a:extLst>
-          </p:cNvPr>
-          <p:cNvSpPr txBox="1"/>
-          <p:nvPr/>
-        </p:nvSpPr>
-        <p:spPr>
-          <a:xfrm>
-            <a:off x="4744995" y="1643283"/>
-            <a:ext cx="2817340" cy="646331"/>
-          </a:xfrm>
-          <a:prstGeom prst="rect">
-            <a:avLst/>
-          </a:prstGeom>
-          <a:noFill/>
-        </p:spPr>
-        <p:txBody>
-          <a:bodyPr wrap="square" rtlCol="0">
-            <a:spAutoFit/>
-          </a:bodyPr>
-          <a:lstStyle/>
-          <a:p>
-            <a:pPr algn="ctr"/>
-            <a:r>
-              <a:rPr lang="en-US" b="1" dirty="0">
-                <a:latin typeface="Copperplate" panose="02000504000000020004" pitchFamily="2" charset="77"/>
-              </a:rPr>
-              <a:t> </a:t>
-            </a:r>
-            <a:r>
-              <a:rPr lang="en-US" b="1" dirty="0">
-                <a:solidFill>
-                  <a:schemeClr val="bg1">
-                    <a:lumMod val="95000"/>
-                  </a:schemeClr>
-                </a:solidFill>
-                <a:latin typeface="Copperplate" panose="02000504000000020004" pitchFamily="2" charset="77"/>
-              </a:rPr>
-              <a:t>Poison Remnant</a:t>
-            </a:r>
-          </a:p>
-          <a:p>
-            <a:pPr algn="ctr"/>
-            <a:endParaRPr lang="en-US" dirty="0"/>
-          </a:p>
-        </p:txBody>
-      </p:sp>
     </p:spTree>
     <p:extLst>
       <p:ext uri="{BB962C8B-B14F-4D97-AF65-F5344CB8AC3E}">
-        <p14:creationId xmlns:p14="http://schemas.microsoft.com/office/powerpoint/2010/main" val="1218230518"/>
+        <p14:creationId xmlns:p14="http://schemas.microsoft.com/office/powerpoint/2010/main" val="1841681141"/>
       </p:ext>
     </p:extLst>
   </p:cSld>
   <p:clrMapOvr>
     <a:masterClrMapping/>
   </p:clrMapOvr>
+  <p:transition spd="slow">
+    <p:wipe/>
+  </p:transition>
 </p:sld>
 </file>
 
@@ -5221,6 +5961,181 @@
           <a:chExt cx="0" cy="0"/>
         </a:xfrm>
       </p:grpSpPr>
+      <p:sp>
+        <p:nvSpPr>
+          <p:cNvPr id="2" name="Title 1">
+            <a:extLst>
+              <a:ext uri="{FF2B5EF4-FFF2-40B4-BE49-F238E27FC236}">
+                <a16:creationId xmlns:a16="http://schemas.microsoft.com/office/drawing/2014/main" id="{D87C433E-5CD1-7179-AF6C-C94CF28E9DEA}"/>
+              </a:ext>
+            </a:extLst>
+          </p:cNvPr>
+          <p:cNvSpPr>
+            <a:spLocks noGrp="1"/>
+          </p:cNvSpPr>
+          <p:nvPr>
+            <p:ph type="ctrTitle"/>
+          </p:nvPr>
+        </p:nvSpPr>
+        <p:spPr>
+          <a:xfrm>
+            <a:off x="0" y="0"/>
+            <a:ext cx="1666101" cy="6858000"/>
+          </a:xfrm>
+        </p:spPr>
+        <p:txBody>
+          <a:bodyPr vert="wordArtVert" anchor="ctr" anchorCtr="0">
+            <a:normAutofit/>
+          </a:bodyPr>
+          <a:lstStyle/>
+          <a:p>
+            <a:r>
+              <a:rPr lang="en-US" dirty="0">
+                <a:solidFill>
+                  <a:srgbClr val="C00000"/>
+                </a:solidFill>
+                <a:latin typeface="Copperplate" panose="02000504000000020004" pitchFamily="2" charset="77"/>
+              </a:rPr>
+              <a:t>POISON</a:t>
+            </a:r>
+          </a:p>
+        </p:txBody>
+      </p:sp>
+      <p:sp>
+        <p:nvSpPr>
+          <p:cNvPr id="3" name="Subtitle 2">
+            <a:extLst>
+              <a:ext uri="{FF2B5EF4-FFF2-40B4-BE49-F238E27FC236}">
+                <a16:creationId xmlns:a16="http://schemas.microsoft.com/office/drawing/2014/main" id="{CBC5AC38-4118-0B29-4DD7-E601F99B10A9}"/>
+              </a:ext>
+            </a:extLst>
+          </p:cNvPr>
+          <p:cNvSpPr>
+            <a:spLocks noGrp="1"/>
+          </p:cNvSpPr>
+          <p:nvPr>
+            <p:ph type="subTitle" idx="1"/>
+          </p:nvPr>
+        </p:nvSpPr>
+        <p:spPr>
+          <a:xfrm>
+            <a:off x="10525896" y="0"/>
+            <a:ext cx="1666104" cy="6858000"/>
+          </a:xfrm>
+        </p:spPr>
+        <p:txBody>
+          <a:bodyPr vert="wordArtVert" anchor="ctr" anchorCtr="0">
+            <a:noAutofit/>
+          </a:bodyPr>
+          <a:lstStyle/>
+          <a:p>
+            <a:r>
+              <a:rPr lang="en-US" sz="6000" dirty="0">
+                <a:solidFill>
+                  <a:srgbClr val="C00000"/>
+                </a:solidFill>
+                <a:latin typeface="Copperplate" panose="02000504000000020004" pitchFamily="2" charset="77"/>
+              </a:rPr>
+              <a:t>REMNANT</a:t>
+            </a:r>
+          </a:p>
+        </p:txBody>
+      </p:sp>
+      <p:sp>
+        <p:nvSpPr>
+          <p:cNvPr id="4" name="TextBox 3">
+            <a:extLst>
+              <a:ext uri="{FF2B5EF4-FFF2-40B4-BE49-F238E27FC236}">
+                <a16:creationId xmlns:a16="http://schemas.microsoft.com/office/drawing/2014/main" id="{78184FB5-7CBB-5EFD-ED65-594AE4E1FA8C}"/>
+              </a:ext>
+            </a:extLst>
+          </p:cNvPr>
+          <p:cNvSpPr txBox="1"/>
+          <p:nvPr/>
+        </p:nvSpPr>
+        <p:spPr>
+          <a:xfrm>
+            <a:off x="2822122" y="2721114"/>
+            <a:ext cx="6547756" cy="707886"/>
+          </a:xfrm>
+          <a:prstGeom prst="rect">
+            <a:avLst/>
+          </a:prstGeom>
+          <a:noFill/>
+        </p:spPr>
+        <p:txBody>
+          <a:bodyPr wrap="square" rtlCol="0">
+            <a:spAutoFit/>
+          </a:bodyPr>
+          <a:lstStyle/>
+          <a:p>
+            <a:pPr algn="ctr"/>
+            <a:r>
+              <a:rPr lang="en-US" sz="4000" dirty="0">
+                <a:solidFill>
+                  <a:srgbClr val="A8174D"/>
+                </a:solidFill>
+                <a:hlinkClick r:id="rId2">
+                  <a:extLst>
+                    <a:ext uri="{A12FA001-AC4F-418D-AE19-62706E023703}">
+                      <ahyp:hlinkClr xmlns:ahyp="http://schemas.microsoft.com/office/drawing/2018/hyperlinkcolor" val="tx"/>
+                    </a:ext>
+                  </a:extLst>
+                </a:hlinkClick>
+              </a:rPr>
+              <a:t>POISON REMNANT README</a:t>
+            </a:r>
+            <a:endParaRPr lang="en-US" sz="4000" dirty="0">
+              <a:solidFill>
+                <a:srgbClr val="A8174D"/>
+              </a:solidFill>
+            </a:endParaRPr>
+          </a:p>
+        </p:txBody>
+      </p:sp>
+    </p:spTree>
+    <p:extLst>
+      <p:ext uri="{BB962C8B-B14F-4D97-AF65-F5344CB8AC3E}">
+        <p14:creationId xmlns:p14="http://schemas.microsoft.com/office/powerpoint/2010/main" val="3298113431"/>
+      </p:ext>
+    </p:extLst>
+  </p:cSld>
+  <p:clrMapOvr>
+    <a:masterClrMapping/>
+  </p:clrMapOvr>
+  <p:transition spd="slow">
+    <p:wipe/>
+  </p:transition>
+</p:sld>
+</file>
+
+<file path=ppt/slides/slide8.xml><?xml version="1.0" encoding="utf-8"?>
+<p:sld xmlns:a="http://schemas.openxmlformats.org/drawingml/2006/main" xmlns:r="http://schemas.openxmlformats.org/officeDocument/2006/relationships" xmlns:p="http://schemas.openxmlformats.org/presentationml/2006/main">
+  <p:cSld>
+    <p:bg>
+      <p:bgPr>
+        <a:solidFill>
+          <a:schemeClr val="bg2">
+            <a:lumMod val="50000"/>
+          </a:schemeClr>
+        </a:solidFill>
+        <a:effectLst/>
+      </p:bgPr>
+    </p:bg>
+    <p:spTree>
+      <p:nvGrpSpPr>
+        <p:cNvPr id="1" name=""/>
+        <p:cNvGrpSpPr/>
+        <p:nvPr/>
+      </p:nvGrpSpPr>
+      <p:grpSpPr>
+        <a:xfrm>
+          <a:off x="0" y="0"/>
+          <a:ext cx="0" cy="0"/>
+          <a:chOff x="0" y="0"/>
+          <a:chExt cx="0" cy="0"/>
+        </a:xfrm>
+      </p:grpSpPr>
       <p:pic>
         <p:nvPicPr>
           <p:cNvPr id="5" name="Picture 4" descr="A picture containing indoor&#10;&#10;Description automatically generated">
@@ -5347,8 +6262,8 @@
         </p:nvSpPr>
         <p:spPr>
           <a:xfrm>
-            <a:off x="3301310" y="766120"/>
-            <a:ext cx="5585254" cy="646331"/>
+            <a:off x="2551671" y="766120"/>
+            <a:ext cx="7203988" cy="646331"/>
           </a:xfrm>
           <a:prstGeom prst="rect">
             <a:avLst/>
@@ -5366,7 +6281,7 @@
               <a:rPr lang="en-US" sz="3600" dirty="0">
                 <a:latin typeface="Copperplate" panose="02000504000000020004" pitchFamily="2" charset="77"/>
               </a:rPr>
-              <a:t>Review</a:t>
+              <a:t>Application Demonstration</a:t>
             </a:r>
             <a:endParaRPr lang="en-US" sz="3600" b="1" dirty="0">
               <a:latin typeface="Copperplate" panose="02000504000000020004" pitchFamily="2" charset="77"/>
@@ -5388,8 +6303,8 @@
         </p:nvSpPr>
         <p:spPr>
           <a:xfrm>
-            <a:off x="4744995" y="1643283"/>
-            <a:ext cx="2817340" cy="2031325"/>
+            <a:off x="4522573" y="1636684"/>
+            <a:ext cx="3262183" cy="646331"/>
           </a:xfrm>
           <a:prstGeom prst="rect">
             <a:avLst/>
@@ -5410,7 +6325,7 @@
               <a:t> </a:t>
             </a:r>
             <a:r>
-              <a:rPr lang="en-US" dirty="0">
+              <a:rPr lang="en-US" b="1" dirty="0">
                 <a:solidFill>
                   <a:schemeClr val="bg1">
                     <a:lumMod val="95000"/>
@@ -5418,13 +6333,10 @@
                 </a:solidFill>
                 <a:latin typeface="Copperplate" panose="02000504000000020004" pitchFamily="2" charset="77"/>
               </a:rPr>
-              <a:t>Methodologies</a:t>
-            </a:r>
-          </a:p>
-          <a:p>
-            <a:pPr algn="ctr"/>
-            <a:r>
-              <a:rPr lang="en-US" dirty="0">
+              <a:t>Samantha </a:t>
+            </a:r>
+            <a:r>
+              <a:rPr lang="en-US" b="1" dirty="0" err="1">
                 <a:solidFill>
                   <a:schemeClr val="bg1">
                     <a:lumMod val="95000"/>
@@ -5432,39 +6344,8 @@
                 </a:solidFill>
                 <a:latin typeface="Copperplate" panose="02000504000000020004" pitchFamily="2" charset="77"/>
               </a:rPr>
-              <a:t>Application Demonstration</a:t>
-            </a:r>
-          </a:p>
-          <a:p>
-            <a:pPr algn="ctr"/>
-            <a:r>
-              <a:rPr lang="en-US" dirty="0">
-                <a:solidFill>
-                  <a:schemeClr val="bg1">
-                    <a:lumMod val="95000"/>
-                  </a:schemeClr>
-                </a:solidFill>
-                <a:latin typeface="Copperplate" panose="02000504000000020004" pitchFamily="2" charset="77"/>
-              </a:rPr>
-              <a:t>Remaining Challenges</a:t>
-            </a:r>
-          </a:p>
-          <a:p>
-            <a:pPr algn="ctr"/>
-            <a:r>
-              <a:rPr lang="en-US" dirty="0">
-                <a:solidFill>
-                  <a:schemeClr val="bg1">
-                    <a:lumMod val="95000"/>
-                  </a:schemeClr>
-                </a:solidFill>
-                <a:latin typeface="Copperplate" panose="02000504000000020004" pitchFamily="2" charset="77"/>
-              </a:rPr>
-              <a:t> Lessons Learned</a:t>
-            </a:r>
-          </a:p>
-          <a:p>
-            <a:pPr algn="ctr"/>
+              <a:t>Heisterkamp</a:t>
+            </a:r>
             <a:endParaRPr lang="en-US" b="1" dirty="0">
               <a:solidFill>
                 <a:schemeClr val="bg1">
@@ -5483,13 +6364,360 @@
     </p:spTree>
     <p:extLst>
       <p:ext uri="{BB962C8B-B14F-4D97-AF65-F5344CB8AC3E}">
-        <p14:creationId xmlns:p14="http://schemas.microsoft.com/office/powerpoint/2010/main" val="4236442272"/>
+        <p14:creationId xmlns:p14="http://schemas.microsoft.com/office/powerpoint/2010/main" val="3266239358"/>
       </p:ext>
     </p:extLst>
   </p:cSld>
   <p:clrMapOvr>
     <a:masterClrMapping/>
   </p:clrMapOvr>
+  <p:transition spd="slow">
+    <p:wipe/>
+  </p:transition>
+</p:sld>
+</file>
+
+<file path=ppt/slides/slide9.xml><?xml version="1.0" encoding="utf-8"?>
+<p:sld xmlns:a="http://schemas.openxmlformats.org/drawingml/2006/main" xmlns:r="http://schemas.openxmlformats.org/officeDocument/2006/relationships" xmlns:p="http://schemas.openxmlformats.org/presentationml/2006/main">
+  <p:cSld>
+    <p:bg>
+      <p:bgPr>
+        <a:solidFill>
+          <a:schemeClr val="bg2">
+            <a:lumMod val="50000"/>
+          </a:schemeClr>
+        </a:solidFill>
+        <a:effectLst/>
+      </p:bgPr>
+    </p:bg>
+    <p:spTree>
+      <p:nvGrpSpPr>
+        <p:cNvPr id="1" name=""/>
+        <p:cNvGrpSpPr/>
+        <p:nvPr/>
+      </p:nvGrpSpPr>
+      <p:grpSpPr>
+        <a:xfrm>
+          <a:off x="0" y="0"/>
+          <a:ext cx="0" cy="0"/>
+          <a:chOff x="0" y="0"/>
+          <a:chExt cx="0" cy="0"/>
+        </a:xfrm>
+      </p:grpSpPr>
+      <p:pic>
+        <p:nvPicPr>
+          <p:cNvPr id="5" name="Picture 4" descr="A picture containing indoor&#10;&#10;Description automatically generated">
+            <a:extLst>
+              <a:ext uri="{FF2B5EF4-FFF2-40B4-BE49-F238E27FC236}">
+                <a16:creationId xmlns:a16="http://schemas.microsoft.com/office/drawing/2014/main" id="{834D9A81-EA48-E890-111D-13C466E1050B}"/>
+              </a:ext>
+            </a:extLst>
+          </p:cNvPr>
+          <p:cNvPicPr>
+            <a:picLocks noChangeAspect="1"/>
+          </p:cNvPicPr>
+          <p:nvPr/>
+        </p:nvPicPr>
+        <p:blipFill>
+          <a:blip r:embed="rId2">
+            <a:alphaModFix amt="20000"/>
+          </a:blip>
+          <a:stretch>
+            <a:fillRect/>
+          </a:stretch>
+        </p:blipFill>
+        <p:spPr>
+          <a:xfrm>
+            <a:off x="1532238" y="-86497"/>
+            <a:ext cx="9156357" cy="7080421"/>
+          </a:xfrm>
+          <a:prstGeom prst="rect">
+            <a:avLst/>
+          </a:prstGeom>
+        </p:spPr>
+      </p:pic>
+      <p:sp>
+        <p:nvSpPr>
+          <p:cNvPr id="2" name="Title 1">
+            <a:extLst>
+              <a:ext uri="{FF2B5EF4-FFF2-40B4-BE49-F238E27FC236}">
+                <a16:creationId xmlns:a16="http://schemas.microsoft.com/office/drawing/2014/main" id="{D87C433E-5CD1-7179-AF6C-C94CF28E9DEA}"/>
+              </a:ext>
+            </a:extLst>
+          </p:cNvPr>
+          <p:cNvSpPr>
+            <a:spLocks noGrp="1"/>
+          </p:cNvSpPr>
+          <p:nvPr>
+            <p:ph type="ctrTitle"/>
+          </p:nvPr>
+        </p:nvSpPr>
+        <p:spPr>
+          <a:xfrm>
+            <a:off x="0" y="0"/>
+            <a:ext cx="1666101" cy="6858000"/>
+          </a:xfrm>
+        </p:spPr>
+        <p:txBody>
+          <a:bodyPr vert="wordArtVert" anchor="ctr" anchorCtr="0">
+            <a:normAutofit/>
+          </a:bodyPr>
+          <a:lstStyle/>
+          <a:p>
+            <a:r>
+              <a:rPr lang="en-US" dirty="0">
+                <a:solidFill>
+                  <a:srgbClr val="C00000"/>
+                </a:solidFill>
+                <a:latin typeface="Copperplate" panose="02000504000000020004" pitchFamily="2" charset="77"/>
+              </a:rPr>
+              <a:t>POISON</a:t>
+            </a:r>
+          </a:p>
+        </p:txBody>
+      </p:sp>
+      <p:sp>
+        <p:nvSpPr>
+          <p:cNvPr id="3" name="Subtitle 2">
+            <a:extLst>
+              <a:ext uri="{FF2B5EF4-FFF2-40B4-BE49-F238E27FC236}">
+                <a16:creationId xmlns:a16="http://schemas.microsoft.com/office/drawing/2014/main" id="{CBC5AC38-4118-0B29-4DD7-E601F99B10A9}"/>
+              </a:ext>
+            </a:extLst>
+          </p:cNvPr>
+          <p:cNvSpPr>
+            <a:spLocks noGrp="1"/>
+          </p:cNvSpPr>
+          <p:nvPr>
+            <p:ph type="subTitle" idx="1"/>
+          </p:nvPr>
+        </p:nvSpPr>
+        <p:spPr>
+          <a:xfrm>
+            <a:off x="10525896" y="0"/>
+            <a:ext cx="1666104" cy="6858000"/>
+          </a:xfrm>
+        </p:spPr>
+        <p:txBody>
+          <a:bodyPr vert="wordArtVert" anchor="ctr" anchorCtr="0">
+            <a:noAutofit/>
+          </a:bodyPr>
+          <a:lstStyle/>
+          <a:p>
+            <a:r>
+              <a:rPr lang="en-US" sz="6000" dirty="0">
+                <a:solidFill>
+                  <a:srgbClr val="C00000"/>
+                </a:solidFill>
+                <a:latin typeface="Copperplate" panose="02000504000000020004" pitchFamily="2" charset="77"/>
+              </a:rPr>
+              <a:t>REMNANT</a:t>
+            </a:r>
+          </a:p>
+        </p:txBody>
+      </p:sp>
+      <p:sp>
+        <p:nvSpPr>
+          <p:cNvPr id="6" name="TextBox 5">
+            <a:extLst>
+              <a:ext uri="{FF2B5EF4-FFF2-40B4-BE49-F238E27FC236}">
+                <a16:creationId xmlns:a16="http://schemas.microsoft.com/office/drawing/2014/main" id="{AD8438D8-A9CE-CFB2-9405-7856A043D857}"/>
+              </a:ext>
+            </a:extLst>
+          </p:cNvPr>
+          <p:cNvSpPr txBox="1"/>
+          <p:nvPr/>
+        </p:nvSpPr>
+        <p:spPr>
+          <a:xfrm>
+            <a:off x="3303371" y="3576587"/>
+            <a:ext cx="5585254" cy="523220"/>
+          </a:xfrm>
+          <a:prstGeom prst="rect">
+            <a:avLst/>
+          </a:prstGeom>
+          <a:noFill/>
+        </p:spPr>
+        <p:txBody>
+          <a:bodyPr wrap="square" rtlCol="0">
+            <a:spAutoFit/>
+          </a:bodyPr>
+          <a:lstStyle/>
+          <a:p>
+            <a:pPr algn="ctr"/>
+            <a:r>
+              <a:rPr lang="en-US" sz="2800" b="1" dirty="0">
+                <a:latin typeface="Copperplate" panose="02000504000000020004" pitchFamily="2" charset="77"/>
+              </a:rPr>
+              <a:t>OVERVIEW</a:t>
+            </a:r>
+          </a:p>
+        </p:txBody>
+      </p:sp>
+      <p:sp>
+        <p:nvSpPr>
+          <p:cNvPr id="7" name="TextBox 6">
+            <a:extLst>
+              <a:ext uri="{FF2B5EF4-FFF2-40B4-BE49-F238E27FC236}">
+                <a16:creationId xmlns:a16="http://schemas.microsoft.com/office/drawing/2014/main" id="{97A9065F-BAFF-C59B-7BA8-B9E4DF3F0ED4}"/>
+              </a:ext>
+            </a:extLst>
+          </p:cNvPr>
+          <p:cNvSpPr txBox="1"/>
+          <p:nvPr/>
+        </p:nvSpPr>
+        <p:spPr>
+          <a:xfrm>
+            <a:off x="3301310" y="766120"/>
+            <a:ext cx="5585254" cy="646331"/>
+          </a:xfrm>
+          <a:prstGeom prst="rect">
+            <a:avLst/>
+          </a:prstGeom>
+          <a:noFill/>
+        </p:spPr>
+        <p:txBody>
+          <a:bodyPr wrap="square" rtlCol="0">
+            <a:spAutoFit/>
+          </a:bodyPr>
+          <a:lstStyle/>
+          <a:p>
+            <a:pPr algn="ctr"/>
+            <a:r>
+              <a:rPr lang="en-US" sz="3600" dirty="0">
+                <a:latin typeface="Copperplate" panose="02000504000000020004" pitchFamily="2" charset="77"/>
+              </a:rPr>
+              <a:t>Remaining Challenges</a:t>
+            </a:r>
+            <a:endParaRPr lang="en-US" sz="3600" b="1" dirty="0">
+              <a:latin typeface="Copperplate" panose="02000504000000020004" pitchFamily="2" charset="77"/>
+            </a:endParaRPr>
+          </a:p>
+        </p:txBody>
+      </p:sp>
+      <p:sp>
+        <p:nvSpPr>
+          <p:cNvPr id="8" name="TextBox 7">
+            <a:extLst>
+              <a:ext uri="{FF2B5EF4-FFF2-40B4-BE49-F238E27FC236}">
+                <a16:creationId xmlns:a16="http://schemas.microsoft.com/office/drawing/2014/main" id="{7079610E-85FD-7F92-4F6F-6D94A304050E}"/>
+              </a:ext>
+            </a:extLst>
+          </p:cNvPr>
+          <p:cNvSpPr txBox="1"/>
+          <p:nvPr/>
+        </p:nvSpPr>
+        <p:spPr>
+          <a:xfrm>
+            <a:off x="3447535" y="4324040"/>
+            <a:ext cx="5439029" cy="707886"/>
+          </a:xfrm>
+          <a:prstGeom prst="rect">
+            <a:avLst/>
+          </a:prstGeom>
+          <a:noFill/>
+        </p:spPr>
+        <p:txBody>
+          <a:bodyPr wrap="square" rtlCol="0">
+            <a:spAutoFit/>
+          </a:bodyPr>
+          <a:lstStyle/>
+          <a:p>
+            <a:pPr algn="ctr"/>
+            <a:r>
+              <a:rPr lang="en-US" sz="2000" dirty="0">
+                <a:solidFill>
+                  <a:schemeClr val="bg1">
+                    <a:lumMod val="95000"/>
+                  </a:schemeClr>
+                </a:solidFill>
+                <a:latin typeface="Copperplate" panose="02000504000000020004" pitchFamily="2" charset="77"/>
+              </a:rPr>
+              <a:t>Bidding Capabilities</a:t>
+            </a:r>
+          </a:p>
+          <a:p>
+            <a:pPr algn="ctr"/>
+            <a:r>
+              <a:rPr lang="en-US" sz="2000" dirty="0">
+                <a:solidFill>
+                  <a:schemeClr val="bg1">
+                    <a:lumMod val="95000"/>
+                  </a:schemeClr>
+                </a:solidFill>
+                <a:latin typeface="Copperplate" panose="02000504000000020004" pitchFamily="2" charset="77"/>
+              </a:rPr>
+              <a:t>Customer Reviews &amp; Bakery Responses</a:t>
+            </a:r>
+          </a:p>
+        </p:txBody>
+      </p:sp>
+      <p:sp>
+        <p:nvSpPr>
+          <p:cNvPr id="9" name="TextBox 8">
+            <a:extLst>
+              <a:ext uri="{FF2B5EF4-FFF2-40B4-BE49-F238E27FC236}">
+                <a16:creationId xmlns:a16="http://schemas.microsoft.com/office/drawing/2014/main" id="{D79BB699-8A5B-1FBA-D030-8D19E0D28BBF}"/>
+              </a:ext>
+            </a:extLst>
+          </p:cNvPr>
+          <p:cNvSpPr txBox="1"/>
+          <p:nvPr/>
+        </p:nvSpPr>
+        <p:spPr>
+          <a:xfrm>
+            <a:off x="4744995" y="1643283"/>
+            <a:ext cx="2817340" cy="646331"/>
+          </a:xfrm>
+          <a:prstGeom prst="rect">
+            <a:avLst/>
+          </a:prstGeom>
+          <a:noFill/>
+        </p:spPr>
+        <p:txBody>
+          <a:bodyPr wrap="square" rtlCol="0">
+            <a:spAutoFit/>
+          </a:bodyPr>
+          <a:lstStyle/>
+          <a:p>
+            <a:pPr algn="ctr"/>
+            <a:r>
+              <a:rPr lang="en-US" b="1" dirty="0">
+                <a:latin typeface="Copperplate" panose="02000504000000020004" pitchFamily="2" charset="77"/>
+              </a:rPr>
+              <a:t> </a:t>
+            </a:r>
+            <a:r>
+              <a:rPr lang="en-US" b="1" dirty="0">
+                <a:solidFill>
+                  <a:schemeClr val="bg1">
+                    <a:lumMod val="95000"/>
+                  </a:schemeClr>
+                </a:solidFill>
+                <a:latin typeface="Copperplate" panose="02000504000000020004" pitchFamily="2" charset="77"/>
+              </a:rPr>
+              <a:t>Chad Rousseau</a:t>
+            </a:r>
+          </a:p>
+          <a:p>
+            <a:pPr algn="ctr"/>
+            <a:endParaRPr lang="en-US" dirty="0"/>
+          </a:p>
+        </p:txBody>
+      </p:sp>
+    </p:spTree>
+    <p:extLst>
+      <p:ext uri="{BB962C8B-B14F-4D97-AF65-F5344CB8AC3E}">
+        <p14:creationId xmlns:p14="http://schemas.microsoft.com/office/powerpoint/2010/main" val="2309352670"/>
+      </p:ext>
+    </p:extLst>
+  </p:cSld>
+  <p:clrMapOvr>
+    <a:masterClrMapping/>
+  </p:clrMapOvr>
+  <p:transition spd="slow">
+    <p:wipe/>
+  </p:transition>
 </p:sld>
 </file>
 
